--- a/HappyMemories/Presentation/TellMe.pptx
+++ b/HappyMemories/Presentation/TellMe.pptx
@@ -104,6 +104,11 @@
       </a:defRPr>
     </a:lvl9pPr>
   </p:defaultTextStyle>
+  <p:extLst>
+    <p:ext uri="{EFAFB233-063F-42B5-8137-9DF3F51BA10A}">
+      <p15:sldGuideLst xmlns:p15="http://schemas.microsoft.com/office/powerpoint/2012/main"/>
+    </p:ext>
+  </p:extLst>
 </p:presentation>
 </file>
 
@@ -2964,36 +2969,655 @@
           <a:chExt cx="0" cy="0"/>
         </a:xfrm>
       </p:grpSpPr>
-      <p:sp>
-        <p:nvSpPr>
-          <p:cNvPr id="5" name="Oval 4"/>
+      <p:grpSp>
+        <p:nvGrpSpPr>
+          <p:cNvPr id="4" name="Group 3"/>
+          <p:cNvGrpSpPr/>
+          <p:nvPr/>
+        </p:nvGrpSpPr>
+        <p:grpSpPr>
+          <a:xfrm>
+            <a:off x="7777781" y="2791068"/>
+            <a:ext cx="3953433" cy="3695793"/>
+            <a:chOff x="96821" y="408249"/>
+            <a:chExt cx="6378328" cy="6054570"/>
+          </a:xfrm>
+        </p:grpSpPr>
+        <p:sp>
+          <p:nvSpPr>
+            <p:cNvPr id="12" name="Rectangle 11"/>
+            <p:cNvSpPr/>
+            <p:nvPr/>
+          </p:nvSpPr>
+          <p:spPr>
+            <a:xfrm rot="20188240">
+              <a:off x="3951331" y="2520593"/>
+              <a:ext cx="1174376" cy="591671"/>
+            </a:xfrm>
+            <a:prstGeom prst="rect">
+              <a:avLst/>
+            </a:prstGeom>
+            <a:blipFill dpi="0" rotWithShape="1">
+              <a:blip r:embed="rId2">
+                <a:extLst>
+                  <a:ext uri="{28A0092B-C50C-407E-A947-70E740481C1C}">
+                    <a14:useLocalDpi xmlns:a14="http://schemas.microsoft.com/office/drawing/2010/main" val="0"/>
+                  </a:ext>
+                </a:extLst>
+              </a:blip>
+              <a:srcRect/>
+              <a:stretch>
+                <a:fillRect/>
+              </a:stretch>
+            </a:blipFill>
+            <a:ln>
+              <a:noFill/>
+            </a:ln>
+          </p:spPr>
+          <p:style>
+            <a:lnRef idx="2">
+              <a:schemeClr val="accent1">
+                <a:shade val="50000"/>
+              </a:schemeClr>
+            </a:lnRef>
+            <a:fillRef idx="1">
+              <a:schemeClr val="accent1"/>
+            </a:fillRef>
+            <a:effectRef idx="0">
+              <a:schemeClr val="accent1"/>
+            </a:effectRef>
+            <a:fontRef idx="minor">
+              <a:schemeClr val="lt1"/>
+            </a:fontRef>
+          </p:style>
+          <p:txBody>
+            <a:bodyPr rtlCol="0" anchor="ctr"/>
+            <a:lstStyle/>
+            <a:p>
+              <a:pPr algn="ctr"/>
+              <a:endParaRPr lang="en-US"/>
+            </a:p>
+          </p:txBody>
+        </p:sp>
+        <p:sp>
+          <p:nvSpPr>
+            <p:cNvPr id="5" name="Oval 4"/>
+            <p:cNvSpPr/>
+            <p:nvPr/>
+          </p:nvSpPr>
+          <p:spPr>
+            <a:xfrm>
+              <a:off x="96821" y="2775473"/>
+              <a:ext cx="1280160" cy="1280160"/>
+            </a:xfrm>
+            <a:prstGeom prst="ellipse">
+              <a:avLst/>
+            </a:prstGeom>
+            <a:blipFill dpi="0" rotWithShape="1">
+              <a:blip r:embed="rId3">
+                <a:extLst>
+                  <a:ext uri="{28A0092B-C50C-407E-A947-70E740481C1C}">
+                    <a14:useLocalDpi xmlns:a14="http://schemas.microsoft.com/office/drawing/2010/main" val="0"/>
+                  </a:ext>
+                </a:extLst>
+              </a:blip>
+              <a:srcRect/>
+              <a:stretch>
+                <a:fillRect/>
+              </a:stretch>
+            </a:blipFill>
+            <a:ln>
+              <a:noFill/>
+            </a:ln>
+          </p:spPr>
+          <p:style>
+            <a:lnRef idx="2">
+              <a:schemeClr val="accent1">
+                <a:shade val="50000"/>
+              </a:schemeClr>
+            </a:lnRef>
+            <a:fillRef idx="1">
+              <a:schemeClr val="accent1"/>
+            </a:fillRef>
+            <a:effectRef idx="0">
+              <a:schemeClr val="accent1"/>
+            </a:effectRef>
+            <a:fontRef idx="minor">
+              <a:schemeClr val="lt1"/>
+            </a:fontRef>
+          </p:style>
+          <p:txBody>
+            <a:bodyPr rtlCol="0" anchor="ctr"/>
+            <a:lstStyle/>
+            <a:p>
+              <a:pPr algn="ctr"/>
+              <a:endParaRPr lang="en-US"/>
+            </a:p>
+          </p:txBody>
+        </p:sp>
+        <p:sp>
+          <p:nvSpPr>
+            <p:cNvPr id="10" name="Oval 9"/>
+            <p:cNvSpPr/>
+            <p:nvPr/>
+          </p:nvSpPr>
+          <p:spPr>
+            <a:xfrm>
+              <a:off x="5194989" y="1825447"/>
+              <a:ext cx="1280160" cy="1280160"/>
+            </a:xfrm>
+            <a:prstGeom prst="ellipse">
+              <a:avLst/>
+            </a:prstGeom>
+            <a:blipFill dpi="0" rotWithShape="1">
+              <a:blip r:embed="rId4">
+                <a:extLst>
+                  <a:ext uri="{28A0092B-C50C-407E-A947-70E740481C1C}">
+                    <a14:useLocalDpi xmlns:a14="http://schemas.microsoft.com/office/drawing/2010/main" val="0"/>
+                  </a:ext>
+                </a:extLst>
+              </a:blip>
+              <a:srcRect/>
+              <a:stretch>
+                <a:fillRect/>
+              </a:stretch>
+            </a:blipFill>
+            <a:ln>
+              <a:noFill/>
+            </a:ln>
+          </p:spPr>
+          <p:style>
+            <a:lnRef idx="2">
+              <a:schemeClr val="accent1">
+                <a:shade val="50000"/>
+              </a:schemeClr>
+            </a:lnRef>
+            <a:fillRef idx="1">
+              <a:schemeClr val="accent1"/>
+            </a:fillRef>
+            <a:effectRef idx="0">
+              <a:schemeClr val="accent1"/>
+            </a:effectRef>
+            <a:fontRef idx="minor">
+              <a:schemeClr val="lt1"/>
+            </a:fontRef>
+          </p:style>
+          <p:txBody>
+            <a:bodyPr rtlCol="0" anchor="ctr"/>
+            <a:lstStyle/>
+            <a:p>
+              <a:pPr algn="ctr"/>
+              <a:endParaRPr lang="en-US"/>
+            </a:p>
+          </p:txBody>
+        </p:sp>
+        <p:sp>
+          <p:nvSpPr>
+            <p:cNvPr id="6" name="Oval 5"/>
+            <p:cNvSpPr/>
+            <p:nvPr/>
+          </p:nvSpPr>
+          <p:spPr>
+            <a:xfrm>
+              <a:off x="2862383" y="2775473"/>
+              <a:ext cx="1047649" cy="1059607"/>
+            </a:xfrm>
+            <a:prstGeom prst="ellipse">
+              <a:avLst/>
+            </a:prstGeom>
+            <a:blipFill dpi="0" rotWithShape="1">
+              <a:blip r:embed="rId5" cstate="print">
+                <a:extLst>
+                  <a:ext uri="{28A0092B-C50C-407E-A947-70E740481C1C}">
+                    <a14:useLocalDpi xmlns:a14="http://schemas.microsoft.com/office/drawing/2010/main" val="0"/>
+                  </a:ext>
+                </a:extLst>
+              </a:blip>
+              <a:srcRect/>
+              <a:stretch>
+                <a:fillRect/>
+              </a:stretch>
+            </a:blipFill>
+            <a:ln w="38100">
+              <a:solidFill>
+                <a:schemeClr val="bg2">
+                  <a:lumMod val="50000"/>
+                </a:schemeClr>
+              </a:solidFill>
+            </a:ln>
+          </p:spPr>
+          <p:style>
+            <a:lnRef idx="2">
+              <a:schemeClr val="accent1">
+                <a:shade val="50000"/>
+              </a:schemeClr>
+            </a:lnRef>
+            <a:fillRef idx="1">
+              <a:schemeClr val="accent1"/>
+            </a:fillRef>
+            <a:effectRef idx="0">
+              <a:schemeClr val="accent1"/>
+            </a:effectRef>
+            <a:fontRef idx="minor">
+              <a:schemeClr val="lt1"/>
+            </a:fontRef>
+          </p:style>
+          <p:txBody>
+            <a:bodyPr rtlCol="0" anchor="ctr"/>
+            <a:lstStyle/>
+            <a:p>
+              <a:pPr algn="ctr"/>
+              <a:endParaRPr lang="en-US"/>
+            </a:p>
+          </p:txBody>
+        </p:sp>
+        <p:sp>
+          <p:nvSpPr>
+            <p:cNvPr id="7" name="Oval 6"/>
+            <p:cNvSpPr/>
+            <p:nvPr/>
+          </p:nvSpPr>
+          <p:spPr>
+            <a:xfrm>
+              <a:off x="5194989" y="3890840"/>
+              <a:ext cx="1280160" cy="1280160"/>
+            </a:xfrm>
+            <a:prstGeom prst="ellipse">
+              <a:avLst/>
+            </a:prstGeom>
+            <a:blipFill dpi="0" rotWithShape="1">
+              <a:blip r:embed="rId6">
+                <a:extLst>
+                  <a:ext uri="{28A0092B-C50C-407E-A947-70E740481C1C}">
+                    <a14:useLocalDpi xmlns:a14="http://schemas.microsoft.com/office/drawing/2010/main" val="0"/>
+                  </a:ext>
+                </a:extLst>
+              </a:blip>
+              <a:srcRect/>
+              <a:stretch>
+                <a:fillRect/>
+              </a:stretch>
+            </a:blipFill>
+            <a:ln>
+              <a:noFill/>
+            </a:ln>
+          </p:spPr>
+          <p:style>
+            <a:lnRef idx="2">
+              <a:schemeClr val="accent1">
+                <a:shade val="50000"/>
+              </a:schemeClr>
+            </a:lnRef>
+            <a:fillRef idx="1">
+              <a:schemeClr val="accent1"/>
+            </a:fillRef>
+            <a:effectRef idx="0">
+              <a:schemeClr val="accent1"/>
+            </a:effectRef>
+            <a:fontRef idx="minor">
+              <a:schemeClr val="lt1"/>
+            </a:fontRef>
+          </p:style>
+          <p:txBody>
+            <a:bodyPr rtlCol="0" anchor="ctr"/>
+            <a:lstStyle/>
+            <a:p>
+              <a:pPr algn="ctr"/>
+              <a:endParaRPr lang="en-US"/>
+            </a:p>
+          </p:txBody>
+        </p:sp>
+        <p:sp>
+          <p:nvSpPr>
+            <p:cNvPr id="11" name="Oval 10"/>
+            <p:cNvSpPr/>
+            <p:nvPr/>
+          </p:nvSpPr>
+          <p:spPr>
+            <a:xfrm>
+              <a:off x="4127353" y="5182659"/>
+              <a:ext cx="1280160" cy="1280160"/>
+            </a:xfrm>
+            <a:prstGeom prst="ellipse">
+              <a:avLst/>
+            </a:prstGeom>
+            <a:blipFill dpi="0" rotWithShape="1">
+              <a:blip r:embed="rId7">
+                <a:extLst>
+                  <a:ext uri="{28A0092B-C50C-407E-A947-70E740481C1C}">
+                    <a14:useLocalDpi xmlns:a14="http://schemas.microsoft.com/office/drawing/2010/main" val="0"/>
+                  </a:ext>
+                </a:extLst>
+              </a:blip>
+              <a:srcRect/>
+              <a:stretch>
+                <a:fillRect/>
+              </a:stretch>
+            </a:blipFill>
+            <a:ln>
+              <a:noFill/>
+            </a:ln>
+          </p:spPr>
+          <p:style>
+            <a:lnRef idx="2">
+              <a:schemeClr val="accent1">
+                <a:shade val="50000"/>
+              </a:schemeClr>
+            </a:lnRef>
+            <a:fillRef idx="1">
+              <a:schemeClr val="accent1"/>
+            </a:fillRef>
+            <a:effectRef idx="0">
+              <a:schemeClr val="accent1"/>
+            </a:effectRef>
+            <a:fontRef idx="minor">
+              <a:schemeClr val="lt1"/>
+            </a:fontRef>
+          </p:style>
+          <p:txBody>
+            <a:bodyPr rtlCol="0" anchor="ctr"/>
+            <a:lstStyle/>
+            <a:p>
+              <a:pPr algn="ctr"/>
+              <a:endParaRPr lang="en-US"/>
+            </a:p>
+          </p:txBody>
+        </p:sp>
+        <p:sp>
+          <p:nvSpPr>
+            <p:cNvPr id="3" name="Rectangle 2"/>
+            <p:cNvSpPr/>
+            <p:nvPr/>
+          </p:nvSpPr>
+          <p:spPr>
+            <a:xfrm>
+              <a:off x="1521313" y="3042620"/>
+              <a:ext cx="1174376" cy="591671"/>
+            </a:xfrm>
+            <a:prstGeom prst="rect">
+              <a:avLst/>
+            </a:prstGeom>
+            <a:blipFill dpi="0" rotWithShape="1">
+              <a:blip r:embed="rId2">
+                <a:extLst>
+                  <a:ext uri="{28A0092B-C50C-407E-A947-70E740481C1C}">
+                    <a14:useLocalDpi xmlns:a14="http://schemas.microsoft.com/office/drawing/2010/main" val="0"/>
+                  </a:ext>
+                </a:extLst>
+              </a:blip>
+              <a:srcRect/>
+              <a:stretch>
+                <a:fillRect/>
+              </a:stretch>
+            </a:blipFill>
+            <a:ln>
+              <a:noFill/>
+            </a:ln>
+          </p:spPr>
+          <p:style>
+            <a:lnRef idx="2">
+              <a:schemeClr val="accent1">
+                <a:shade val="50000"/>
+              </a:schemeClr>
+            </a:lnRef>
+            <a:fillRef idx="1">
+              <a:schemeClr val="accent1"/>
+            </a:fillRef>
+            <a:effectRef idx="0">
+              <a:schemeClr val="accent1"/>
+            </a:effectRef>
+            <a:fontRef idx="minor">
+              <a:schemeClr val="lt1"/>
+            </a:fontRef>
+          </p:style>
+          <p:txBody>
+            <a:bodyPr rtlCol="0" anchor="ctr"/>
+            <a:lstStyle/>
+            <a:p>
+              <a:pPr algn="ctr"/>
+              <a:endParaRPr lang="en-US"/>
+            </a:p>
+          </p:txBody>
+        </p:sp>
+        <p:sp>
+          <p:nvSpPr>
+            <p:cNvPr id="14" name="Rectangle 13"/>
+            <p:cNvSpPr/>
+            <p:nvPr/>
+          </p:nvSpPr>
+          <p:spPr>
+            <a:xfrm rot="18782157">
+              <a:off x="3436868" y="1848552"/>
+              <a:ext cx="1174376" cy="591671"/>
+            </a:xfrm>
+            <a:prstGeom prst="rect">
+              <a:avLst/>
+            </a:prstGeom>
+            <a:blipFill dpi="0" rotWithShape="1">
+              <a:blip r:embed="rId2">
+                <a:extLst>
+                  <a:ext uri="{28A0092B-C50C-407E-A947-70E740481C1C}">
+                    <a14:useLocalDpi xmlns:a14="http://schemas.microsoft.com/office/drawing/2010/main" val="0"/>
+                  </a:ext>
+                </a:extLst>
+              </a:blip>
+              <a:srcRect/>
+              <a:stretch>
+                <a:fillRect/>
+              </a:stretch>
+            </a:blipFill>
+            <a:ln>
+              <a:noFill/>
+            </a:ln>
+          </p:spPr>
+          <p:style>
+            <a:lnRef idx="2">
+              <a:schemeClr val="accent1">
+                <a:shade val="50000"/>
+              </a:schemeClr>
+            </a:lnRef>
+            <a:fillRef idx="1">
+              <a:schemeClr val="accent1"/>
+            </a:fillRef>
+            <a:effectRef idx="0">
+              <a:schemeClr val="accent1"/>
+            </a:effectRef>
+            <a:fontRef idx="minor">
+              <a:schemeClr val="lt1"/>
+            </a:fontRef>
+          </p:style>
+          <p:txBody>
+            <a:bodyPr rtlCol="0" anchor="ctr"/>
+            <a:lstStyle/>
+            <a:p>
+              <a:pPr algn="ctr"/>
+              <a:endParaRPr lang="en-US"/>
+            </a:p>
+          </p:txBody>
+        </p:sp>
+        <p:sp>
+          <p:nvSpPr>
+            <p:cNvPr id="13" name="Rectangle 12"/>
+            <p:cNvSpPr/>
+            <p:nvPr/>
+          </p:nvSpPr>
+          <p:spPr>
+            <a:xfrm rot="985808">
+              <a:off x="4083754" y="3515420"/>
+              <a:ext cx="1174376" cy="591671"/>
+            </a:xfrm>
+            <a:prstGeom prst="rect">
+              <a:avLst/>
+            </a:prstGeom>
+            <a:blipFill dpi="0" rotWithShape="1">
+              <a:blip r:embed="rId2">
+                <a:extLst>
+                  <a:ext uri="{28A0092B-C50C-407E-A947-70E740481C1C}">
+                    <a14:useLocalDpi xmlns:a14="http://schemas.microsoft.com/office/drawing/2010/main" val="0"/>
+                  </a:ext>
+                </a:extLst>
+              </a:blip>
+              <a:srcRect/>
+              <a:stretch>
+                <a:fillRect/>
+              </a:stretch>
+            </a:blipFill>
+            <a:ln>
+              <a:noFill/>
+            </a:ln>
+          </p:spPr>
+          <p:style>
+            <a:lnRef idx="2">
+              <a:schemeClr val="accent1">
+                <a:shade val="50000"/>
+              </a:schemeClr>
+            </a:lnRef>
+            <a:fillRef idx="1">
+              <a:schemeClr val="accent1"/>
+            </a:fillRef>
+            <a:effectRef idx="0">
+              <a:schemeClr val="accent1"/>
+            </a:effectRef>
+            <a:fontRef idx="minor">
+              <a:schemeClr val="lt1"/>
+            </a:fontRef>
+          </p:style>
+          <p:txBody>
+            <a:bodyPr rtlCol="0" anchor="ctr"/>
+            <a:lstStyle/>
+            <a:p>
+              <a:pPr algn="ctr"/>
+              <a:endParaRPr lang="en-US"/>
+            </a:p>
+          </p:txBody>
+        </p:sp>
+        <p:sp>
+          <p:nvSpPr>
+            <p:cNvPr id="15" name="Rectangle 14"/>
+            <p:cNvSpPr/>
+            <p:nvPr/>
+          </p:nvSpPr>
+          <p:spPr>
+            <a:xfrm rot="2329243">
+              <a:off x="3436869" y="4276576"/>
+              <a:ext cx="1174376" cy="591671"/>
+            </a:xfrm>
+            <a:prstGeom prst="rect">
+              <a:avLst/>
+            </a:prstGeom>
+            <a:blipFill dpi="0" rotWithShape="1">
+              <a:blip r:embed="rId2">
+                <a:extLst>
+                  <a:ext uri="{28A0092B-C50C-407E-A947-70E740481C1C}">
+                    <a14:useLocalDpi xmlns:a14="http://schemas.microsoft.com/office/drawing/2010/main" val="0"/>
+                  </a:ext>
+                </a:extLst>
+              </a:blip>
+              <a:srcRect/>
+              <a:stretch>
+                <a:fillRect/>
+              </a:stretch>
+            </a:blipFill>
+            <a:ln>
+              <a:noFill/>
+            </a:ln>
+          </p:spPr>
+          <p:style>
+            <a:lnRef idx="2">
+              <a:schemeClr val="accent1">
+                <a:shade val="50000"/>
+              </a:schemeClr>
+            </a:lnRef>
+            <a:fillRef idx="1">
+              <a:schemeClr val="accent1"/>
+            </a:fillRef>
+            <a:effectRef idx="0">
+              <a:schemeClr val="accent1"/>
+            </a:effectRef>
+            <a:fontRef idx="minor">
+              <a:schemeClr val="lt1"/>
+            </a:fontRef>
+          </p:style>
+          <p:txBody>
+            <a:bodyPr rtlCol="0" anchor="ctr"/>
+            <a:lstStyle/>
+            <a:p>
+              <a:pPr algn="ctr"/>
+              <a:endParaRPr lang="en-US"/>
+            </a:p>
+          </p:txBody>
+        </p:sp>
+        <p:sp>
+          <p:nvSpPr>
+            <p:cNvPr id="8" name="Oval 7"/>
+            <p:cNvSpPr/>
+            <p:nvPr/>
+          </p:nvSpPr>
+          <p:spPr>
+            <a:xfrm>
+              <a:off x="3906823" y="408249"/>
+              <a:ext cx="1554480" cy="1554480"/>
+            </a:xfrm>
+            <a:prstGeom prst="ellipse">
+              <a:avLst/>
+            </a:prstGeom>
+            <a:blipFill dpi="0" rotWithShape="1">
+              <a:blip r:embed="rId8">
+                <a:extLst>
+                  <a:ext uri="{28A0092B-C50C-407E-A947-70E740481C1C}">
+                    <a14:useLocalDpi xmlns:a14="http://schemas.microsoft.com/office/drawing/2010/main" val="0"/>
+                  </a:ext>
+                </a:extLst>
+              </a:blip>
+              <a:srcRect/>
+              <a:stretch>
+                <a:fillRect/>
+              </a:stretch>
+            </a:blipFill>
+            <a:ln>
+              <a:noFill/>
+            </a:ln>
+          </p:spPr>
+          <p:style>
+            <a:lnRef idx="2">
+              <a:schemeClr val="accent1">
+                <a:shade val="50000"/>
+              </a:schemeClr>
+            </a:lnRef>
+            <a:fillRef idx="1">
+              <a:schemeClr val="accent1"/>
+            </a:fillRef>
+            <a:effectRef idx="0">
+              <a:schemeClr val="accent1"/>
+            </a:effectRef>
+            <a:fontRef idx="minor">
+              <a:schemeClr val="lt1"/>
+            </a:fontRef>
+          </p:style>
+          <p:txBody>
+            <a:bodyPr rtlCol="0" anchor="ctr"/>
+            <a:lstStyle/>
+            <a:p>
+              <a:pPr algn="ctr"/>
+              <a:endParaRPr lang="en-US"/>
+            </a:p>
+          </p:txBody>
+        </p:sp>
+      </p:grpSp>
+      <p:sp>
+        <p:nvSpPr>
+          <p:cNvPr id="16" name="Rounded Rectangle 15"/>
           <p:cNvSpPr/>
           <p:nvPr/>
         </p:nvSpPr>
         <p:spPr>
           <a:xfrm>
-            <a:off x="1742740" y="1371600"/>
-            <a:ext cx="1280160" cy="1280160"/>
+            <a:off x="209774" y="166744"/>
+            <a:ext cx="11462273" cy="1043491"/>
           </a:xfrm>
-          <a:prstGeom prst="ellipse">
+          <a:prstGeom prst="roundRect">
             <a:avLst/>
           </a:prstGeom>
-          <a:blipFill dpi="0" rotWithShape="1">
-            <a:blip r:embed="rId2">
-              <a:extLst>
-                <a:ext uri="{28A0092B-C50C-407E-A947-70E740481C1C}">
-                  <a14:useLocalDpi xmlns:a14="http://schemas.microsoft.com/office/drawing/2010/main" val="0"/>
-                </a:ext>
-              </a:extLst>
-            </a:blip>
-            <a:srcRect/>
-            <a:stretch>
-              <a:fillRect/>
-            </a:stretch>
-          </a:blipFill>
-          <a:ln>
-            <a:noFill/>
-          </a:ln>
         </p:spPr>
         <p:style>
           <a:lnRef idx="2">
@@ -3015,120 +3639,35 @@
           <a:bodyPr rtlCol="0" anchor="ctr"/>
           <a:lstStyle/>
           <a:p>
-            <a:pPr algn="ctr"/>
-            <a:endParaRPr lang="en-US"/>
-          </a:p>
-        </p:txBody>
-      </p:sp>
-      <p:sp>
-        <p:nvSpPr>
-          <p:cNvPr id="8" name="Oval 7"/>
-          <p:cNvSpPr/>
-          <p:nvPr/>
-        </p:nvSpPr>
-        <p:spPr>
-          <a:xfrm>
-            <a:off x="3492650" y="231289"/>
-            <a:ext cx="1554480" cy="1554480"/>
-          </a:xfrm>
-          <a:prstGeom prst="ellipse">
-            <a:avLst/>
-          </a:prstGeom>
-          <a:blipFill dpi="0" rotWithShape="1">
-            <a:blip r:embed="rId3">
-              <a:extLst>
-                <a:ext uri="{28A0092B-C50C-407E-A947-70E740481C1C}">
-                  <a14:useLocalDpi xmlns:a14="http://schemas.microsoft.com/office/drawing/2010/main" val="0"/>
-                </a:ext>
-              </a:extLst>
-            </a:blip>
-            <a:srcRect/>
-            <a:stretch>
-              <a:fillRect/>
-            </a:stretch>
-          </a:blipFill>
-          <a:ln>
-            <a:noFill/>
-          </a:ln>
-        </p:spPr>
-        <p:style>
-          <a:lnRef idx="2">
-            <a:schemeClr val="accent1">
-              <a:shade val="50000"/>
-            </a:schemeClr>
-          </a:lnRef>
-          <a:fillRef idx="1">
-            <a:schemeClr val="accent1"/>
-          </a:fillRef>
-          <a:effectRef idx="0">
-            <a:schemeClr val="accent1"/>
-          </a:effectRef>
-          <a:fontRef idx="minor">
-            <a:schemeClr val="lt1"/>
-          </a:fontRef>
-        </p:style>
-        <p:txBody>
-          <a:bodyPr rtlCol="0" anchor="ctr"/>
-          <a:lstStyle/>
-          <a:p>
-            <a:pPr algn="ctr"/>
-            <a:endParaRPr lang="en-US"/>
-          </a:p>
-        </p:txBody>
-      </p:sp>
-      <p:sp>
-        <p:nvSpPr>
-          <p:cNvPr id="10" name="Oval 9"/>
-          <p:cNvSpPr/>
-          <p:nvPr/>
-        </p:nvSpPr>
-        <p:spPr>
-          <a:xfrm>
-            <a:off x="5672866" y="1371600"/>
-            <a:ext cx="1280160" cy="1280160"/>
-          </a:xfrm>
-          <a:prstGeom prst="ellipse">
-            <a:avLst/>
-          </a:prstGeom>
-          <a:blipFill dpi="0" rotWithShape="1">
-            <a:blip r:embed="rId4">
-              <a:extLst>
-                <a:ext uri="{28A0092B-C50C-407E-A947-70E740481C1C}">
-                  <a14:useLocalDpi xmlns:a14="http://schemas.microsoft.com/office/drawing/2010/main" val="0"/>
-                </a:ext>
-              </a:extLst>
-            </a:blip>
-            <a:srcRect/>
-            <a:stretch>
-              <a:fillRect/>
-            </a:stretch>
-          </a:blipFill>
-          <a:ln>
-            <a:noFill/>
-          </a:ln>
-        </p:spPr>
-        <p:style>
-          <a:lnRef idx="2">
-            <a:schemeClr val="accent1">
-              <a:shade val="50000"/>
-            </a:schemeClr>
-          </a:lnRef>
-          <a:fillRef idx="1">
-            <a:schemeClr val="accent1"/>
-          </a:fillRef>
-          <a:effectRef idx="0">
-            <a:schemeClr val="accent1"/>
-          </a:effectRef>
-          <a:fontRef idx="minor">
-            <a:schemeClr val="lt1"/>
-          </a:fontRef>
-        </p:style>
-        <p:txBody>
-          <a:bodyPr rtlCol="0" anchor="ctr"/>
-          <a:lstStyle/>
-          <a:p>
-            <a:pPr algn="ctr"/>
-            <a:endParaRPr lang="en-US"/>
+            <a:r>
+              <a:rPr lang="en-US" sz="4000" b="1" dirty="0" smtClean="0">
+                <a:solidFill>
+                  <a:schemeClr val="bg1"/>
+                </a:solidFill>
+              </a:rPr>
+              <a:t>“</a:t>
+            </a:r>
+            <a:r>
+              <a:rPr lang="en-US" sz="4000" b="1" dirty="0" err="1" smtClean="0">
+                <a:solidFill>
+                  <a:schemeClr val="bg1"/>
+                </a:solidFill>
+              </a:rPr>
+              <a:t>TellMe</a:t>
+            </a:r>
+            <a:r>
+              <a:rPr lang="en-US" sz="4000" b="1" dirty="0" smtClean="0">
+                <a:solidFill>
+                  <a:schemeClr val="bg1"/>
+                </a:solidFill>
+              </a:rPr>
+              <a:t>” – The intelligent diary</a:t>
+            </a:r>
+            <a:endParaRPr lang="en-US" sz="4000" b="1" dirty="0">
+              <a:solidFill>
+                <a:schemeClr val="bg1"/>
+              </a:solidFill>
+            </a:endParaRPr>
           </a:p>
         </p:txBody>
       </p:sp>

--- a/HappyMemories/Presentation/TellMe.pptx
+++ b/HappyMemories/Presentation/TellMe.pptx
@@ -6,6 +6,7 @@
   </p:sldMasterIdLst>
   <p:sldIdLst>
     <p:sldId id="256" r:id="rId2"/>
+    <p:sldId id="257" r:id="rId3"/>
   </p:sldIdLst>
   <p:sldSz cx="12192000" cy="6858000"/>
   <p:notesSz cx="6858000" cy="9144000"/>
@@ -2969,641 +2970,6 @@
           <a:chExt cx="0" cy="0"/>
         </a:xfrm>
       </p:grpSpPr>
-      <p:grpSp>
-        <p:nvGrpSpPr>
-          <p:cNvPr id="4" name="Group 3"/>
-          <p:cNvGrpSpPr/>
-          <p:nvPr/>
-        </p:nvGrpSpPr>
-        <p:grpSpPr>
-          <a:xfrm>
-            <a:off x="7777781" y="2791068"/>
-            <a:ext cx="3953433" cy="3695793"/>
-            <a:chOff x="96821" y="408249"/>
-            <a:chExt cx="6378328" cy="6054570"/>
-          </a:xfrm>
-        </p:grpSpPr>
-        <p:sp>
-          <p:nvSpPr>
-            <p:cNvPr id="12" name="Rectangle 11"/>
-            <p:cNvSpPr/>
-            <p:nvPr/>
-          </p:nvSpPr>
-          <p:spPr>
-            <a:xfrm rot="20188240">
-              <a:off x="3951331" y="2520593"/>
-              <a:ext cx="1174376" cy="591671"/>
-            </a:xfrm>
-            <a:prstGeom prst="rect">
-              <a:avLst/>
-            </a:prstGeom>
-            <a:blipFill dpi="0" rotWithShape="1">
-              <a:blip r:embed="rId2">
-                <a:extLst>
-                  <a:ext uri="{28A0092B-C50C-407E-A947-70E740481C1C}">
-                    <a14:useLocalDpi xmlns:a14="http://schemas.microsoft.com/office/drawing/2010/main" val="0"/>
-                  </a:ext>
-                </a:extLst>
-              </a:blip>
-              <a:srcRect/>
-              <a:stretch>
-                <a:fillRect/>
-              </a:stretch>
-            </a:blipFill>
-            <a:ln>
-              <a:noFill/>
-            </a:ln>
-          </p:spPr>
-          <p:style>
-            <a:lnRef idx="2">
-              <a:schemeClr val="accent1">
-                <a:shade val="50000"/>
-              </a:schemeClr>
-            </a:lnRef>
-            <a:fillRef idx="1">
-              <a:schemeClr val="accent1"/>
-            </a:fillRef>
-            <a:effectRef idx="0">
-              <a:schemeClr val="accent1"/>
-            </a:effectRef>
-            <a:fontRef idx="minor">
-              <a:schemeClr val="lt1"/>
-            </a:fontRef>
-          </p:style>
-          <p:txBody>
-            <a:bodyPr rtlCol="0" anchor="ctr"/>
-            <a:lstStyle/>
-            <a:p>
-              <a:pPr algn="ctr"/>
-              <a:endParaRPr lang="en-US"/>
-            </a:p>
-          </p:txBody>
-        </p:sp>
-        <p:sp>
-          <p:nvSpPr>
-            <p:cNvPr id="5" name="Oval 4"/>
-            <p:cNvSpPr/>
-            <p:nvPr/>
-          </p:nvSpPr>
-          <p:spPr>
-            <a:xfrm>
-              <a:off x="96821" y="2775473"/>
-              <a:ext cx="1280160" cy="1280160"/>
-            </a:xfrm>
-            <a:prstGeom prst="ellipse">
-              <a:avLst/>
-            </a:prstGeom>
-            <a:blipFill dpi="0" rotWithShape="1">
-              <a:blip r:embed="rId3">
-                <a:extLst>
-                  <a:ext uri="{28A0092B-C50C-407E-A947-70E740481C1C}">
-                    <a14:useLocalDpi xmlns:a14="http://schemas.microsoft.com/office/drawing/2010/main" val="0"/>
-                  </a:ext>
-                </a:extLst>
-              </a:blip>
-              <a:srcRect/>
-              <a:stretch>
-                <a:fillRect/>
-              </a:stretch>
-            </a:blipFill>
-            <a:ln>
-              <a:noFill/>
-            </a:ln>
-          </p:spPr>
-          <p:style>
-            <a:lnRef idx="2">
-              <a:schemeClr val="accent1">
-                <a:shade val="50000"/>
-              </a:schemeClr>
-            </a:lnRef>
-            <a:fillRef idx="1">
-              <a:schemeClr val="accent1"/>
-            </a:fillRef>
-            <a:effectRef idx="0">
-              <a:schemeClr val="accent1"/>
-            </a:effectRef>
-            <a:fontRef idx="minor">
-              <a:schemeClr val="lt1"/>
-            </a:fontRef>
-          </p:style>
-          <p:txBody>
-            <a:bodyPr rtlCol="0" anchor="ctr"/>
-            <a:lstStyle/>
-            <a:p>
-              <a:pPr algn="ctr"/>
-              <a:endParaRPr lang="en-US"/>
-            </a:p>
-          </p:txBody>
-        </p:sp>
-        <p:sp>
-          <p:nvSpPr>
-            <p:cNvPr id="10" name="Oval 9"/>
-            <p:cNvSpPr/>
-            <p:nvPr/>
-          </p:nvSpPr>
-          <p:spPr>
-            <a:xfrm>
-              <a:off x="5194989" y="1825447"/>
-              <a:ext cx="1280160" cy="1280160"/>
-            </a:xfrm>
-            <a:prstGeom prst="ellipse">
-              <a:avLst/>
-            </a:prstGeom>
-            <a:blipFill dpi="0" rotWithShape="1">
-              <a:blip r:embed="rId4">
-                <a:extLst>
-                  <a:ext uri="{28A0092B-C50C-407E-A947-70E740481C1C}">
-                    <a14:useLocalDpi xmlns:a14="http://schemas.microsoft.com/office/drawing/2010/main" val="0"/>
-                  </a:ext>
-                </a:extLst>
-              </a:blip>
-              <a:srcRect/>
-              <a:stretch>
-                <a:fillRect/>
-              </a:stretch>
-            </a:blipFill>
-            <a:ln>
-              <a:noFill/>
-            </a:ln>
-          </p:spPr>
-          <p:style>
-            <a:lnRef idx="2">
-              <a:schemeClr val="accent1">
-                <a:shade val="50000"/>
-              </a:schemeClr>
-            </a:lnRef>
-            <a:fillRef idx="1">
-              <a:schemeClr val="accent1"/>
-            </a:fillRef>
-            <a:effectRef idx="0">
-              <a:schemeClr val="accent1"/>
-            </a:effectRef>
-            <a:fontRef idx="minor">
-              <a:schemeClr val="lt1"/>
-            </a:fontRef>
-          </p:style>
-          <p:txBody>
-            <a:bodyPr rtlCol="0" anchor="ctr"/>
-            <a:lstStyle/>
-            <a:p>
-              <a:pPr algn="ctr"/>
-              <a:endParaRPr lang="en-US"/>
-            </a:p>
-          </p:txBody>
-        </p:sp>
-        <p:sp>
-          <p:nvSpPr>
-            <p:cNvPr id="6" name="Oval 5"/>
-            <p:cNvSpPr/>
-            <p:nvPr/>
-          </p:nvSpPr>
-          <p:spPr>
-            <a:xfrm>
-              <a:off x="2862383" y="2775473"/>
-              <a:ext cx="1047649" cy="1059607"/>
-            </a:xfrm>
-            <a:prstGeom prst="ellipse">
-              <a:avLst/>
-            </a:prstGeom>
-            <a:blipFill dpi="0" rotWithShape="1">
-              <a:blip r:embed="rId5" cstate="print">
-                <a:extLst>
-                  <a:ext uri="{28A0092B-C50C-407E-A947-70E740481C1C}">
-                    <a14:useLocalDpi xmlns:a14="http://schemas.microsoft.com/office/drawing/2010/main" val="0"/>
-                  </a:ext>
-                </a:extLst>
-              </a:blip>
-              <a:srcRect/>
-              <a:stretch>
-                <a:fillRect/>
-              </a:stretch>
-            </a:blipFill>
-            <a:ln w="38100">
-              <a:solidFill>
-                <a:schemeClr val="bg2">
-                  <a:lumMod val="50000"/>
-                </a:schemeClr>
-              </a:solidFill>
-            </a:ln>
-          </p:spPr>
-          <p:style>
-            <a:lnRef idx="2">
-              <a:schemeClr val="accent1">
-                <a:shade val="50000"/>
-              </a:schemeClr>
-            </a:lnRef>
-            <a:fillRef idx="1">
-              <a:schemeClr val="accent1"/>
-            </a:fillRef>
-            <a:effectRef idx="0">
-              <a:schemeClr val="accent1"/>
-            </a:effectRef>
-            <a:fontRef idx="minor">
-              <a:schemeClr val="lt1"/>
-            </a:fontRef>
-          </p:style>
-          <p:txBody>
-            <a:bodyPr rtlCol="0" anchor="ctr"/>
-            <a:lstStyle/>
-            <a:p>
-              <a:pPr algn="ctr"/>
-              <a:endParaRPr lang="en-US"/>
-            </a:p>
-          </p:txBody>
-        </p:sp>
-        <p:sp>
-          <p:nvSpPr>
-            <p:cNvPr id="7" name="Oval 6"/>
-            <p:cNvSpPr/>
-            <p:nvPr/>
-          </p:nvSpPr>
-          <p:spPr>
-            <a:xfrm>
-              <a:off x="5194989" y="3890840"/>
-              <a:ext cx="1280160" cy="1280160"/>
-            </a:xfrm>
-            <a:prstGeom prst="ellipse">
-              <a:avLst/>
-            </a:prstGeom>
-            <a:blipFill dpi="0" rotWithShape="1">
-              <a:blip r:embed="rId6">
-                <a:extLst>
-                  <a:ext uri="{28A0092B-C50C-407E-A947-70E740481C1C}">
-                    <a14:useLocalDpi xmlns:a14="http://schemas.microsoft.com/office/drawing/2010/main" val="0"/>
-                  </a:ext>
-                </a:extLst>
-              </a:blip>
-              <a:srcRect/>
-              <a:stretch>
-                <a:fillRect/>
-              </a:stretch>
-            </a:blipFill>
-            <a:ln>
-              <a:noFill/>
-            </a:ln>
-          </p:spPr>
-          <p:style>
-            <a:lnRef idx="2">
-              <a:schemeClr val="accent1">
-                <a:shade val="50000"/>
-              </a:schemeClr>
-            </a:lnRef>
-            <a:fillRef idx="1">
-              <a:schemeClr val="accent1"/>
-            </a:fillRef>
-            <a:effectRef idx="0">
-              <a:schemeClr val="accent1"/>
-            </a:effectRef>
-            <a:fontRef idx="minor">
-              <a:schemeClr val="lt1"/>
-            </a:fontRef>
-          </p:style>
-          <p:txBody>
-            <a:bodyPr rtlCol="0" anchor="ctr"/>
-            <a:lstStyle/>
-            <a:p>
-              <a:pPr algn="ctr"/>
-              <a:endParaRPr lang="en-US"/>
-            </a:p>
-          </p:txBody>
-        </p:sp>
-        <p:sp>
-          <p:nvSpPr>
-            <p:cNvPr id="11" name="Oval 10"/>
-            <p:cNvSpPr/>
-            <p:nvPr/>
-          </p:nvSpPr>
-          <p:spPr>
-            <a:xfrm>
-              <a:off x="4127353" y="5182659"/>
-              <a:ext cx="1280160" cy="1280160"/>
-            </a:xfrm>
-            <a:prstGeom prst="ellipse">
-              <a:avLst/>
-            </a:prstGeom>
-            <a:blipFill dpi="0" rotWithShape="1">
-              <a:blip r:embed="rId7">
-                <a:extLst>
-                  <a:ext uri="{28A0092B-C50C-407E-A947-70E740481C1C}">
-                    <a14:useLocalDpi xmlns:a14="http://schemas.microsoft.com/office/drawing/2010/main" val="0"/>
-                  </a:ext>
-                </a:extLst>
-              </a:blip>
-              <a:srcRect/>
-              <a:stretch>
-                <a:fillRect/>
-              </a:stretch>
-            </a:blipFill>
-            <a:ln>
-              <a:noFill/>
-            </a:ln>
-          </p:spPr>
-          <p:style>
-            <a:lnRef idx="2">
-              <a:schemeClr val="accent1">
-                <a:shade val="50000"/>
-              </a:schemeClr>
-            </a:lnRef>
-            <a:fillRef idx="1">
-              <a:schemeClr val="accent1"/>
-            </a:fillRef>
-            <a:effectRef idx="0">
-              <a:schemeClr val="accent1"/>
-            </a:effectRef>
-            <a:fontRef idx="minor">
-              <a:schemeClr val="lt1"/>
-            </a:fontRef>
-          </p:style>
-          <p:txBody>
-            <a:bodyPr rtlCol="0" anchor="ctr"/>
-            <a:lstStyle/>
-            <a:p>
-              <a:pPr algn="ctr"/>
-              <a:endParaRPr lang="en-US"/>
-            </a:p>
-          </p:txBody>
-        </p:sp>
-        <p:sp>
-          <p:nvSpPr>
-            <p:cNvPr id="3" name="Rectangle 2"/>
-            <p:cNvSpPr/>
-            <p:nvPr/>
-          </p:nvSpPr>
-          <p:spPr>
-            <a:xfrm>
-              <a:off x="1521313" y="3042620"/>
-              <a:ext cx="1174376" cy="591671"/>
-            </a:xfrm>
-            <a:prstGeom prst="rect">
-              <a:avLst/>
-            </a:prstGeom>
-            <a:blipFill dpi="0" rotWithShape="1">
-              <a:blip r:embed="rId2">
-                <a:extLst>
-                  <a:ext uri="{28A0092B-C50C-407E-A947-70E740481C1C}">
-                    <a14:useLocalDpi xmlns:a14="http://schemas.microsoft.com/office/drawing/2010/main" val="0"/>
-                  </a:ext>
-                </a:extLst>
-              </a:blip>
-              <a:srcRect/>
-              <a:stretch>
-                <a:fillRect/>
-              </a:stretch>
-            </a:blipFill>
-            <a:ln>
-              <a:noFill/>
-            </a:ln>
-          </p:spPr>
-          <p:style>
-            <a:lnRef idx="2">
-              <a:schemeClr val="accent1">
-                <a:shade val="50000"/>
-              </a:schemeClr>
-            </a:lnRef>
-            <a:fillRef idx="1">
-              <a:schemeClr val="accent1"/>
-            </a:fillRef>
-            <a:effectRef idx="0">
-              <a:schemeClr val="accent1"/>
-            </a:effectRef>
-            <a:fontRef idx="minor">
-              <a:schemeClr val="lt1"/>
-            </a:fontRef>
-          </p:style>
-          <p:txBody>
-            <a:bodyPr rtlCol="0" anchor="ctr"/>
-            <a:lstStyle/>
-            <a:p>
-              <a:pPr algn="ctr"/>
-              <a:endParaRPr lang="en-US"/>
-            </a:p>
-          </p:txBody>
-        </p:sp>
-        <p:sp>
-          <p:nvSpPr>
-            <p:cNvPr id="14" name="Rectangle 13"/>
-            <p:cNvSpPr/>
-            <p:nvPr/>
-          </p:nvSpPr>
-          <p:spPr>
-            <a:xfrm rot="18782157">
-              <a:off x="3436868" y="1848552"/>
-              <a:ext cx="1174376" cy="591671"/>
-            </a:xfrm>
-            <a:prstGeom prst="rect">
-              <a:avLst/>
-            </a:prstGeom>
-            <a:blipFill dpi="0" rotWithShape="1">
-              <a:blip r:embed="rId2">
-                <a:extLst>
-                  <a:ext uri="{28A0092B-C50C-407E-A947-70E740481C1C}">
-                    <a14:useLocalDpi xmlns:a14="http://schemas.microsoft.com/office/drawing/2010/main" val="0"/>
-                  </a:ext>
-                </a:extLst>
-              </a:blip>
-              <a:srcRect/>
-              <a:stretch>
-                <a:fillRect/>
-              </a:stretch>
-            </a:blipFill>
-            <a:ln>
-              <a:noFill/>
-            </a:ln>
-          </p:spPr>
-          <p:style>
-            <a:lnRef idx="2">
-              <a:schemeClr val="accent1">
-                <a:shade val="50000"/>
-              </a:schemeClr>
-            </a:lnRef>
-            <a:fillRef idx="1">
-              <a:schemeClr val="accent1"/>
-            </a:fillRef>
-            <a:effectRef idx="0">
-              <a:schemeClr val="accent1"/>
-            </a:effectRef>
-            <a:fontRef idx="minor">
-              <a:schemeClr val="lt1"/>
-            </a:fontRef>
-          </p:style>
-          <p:txBody>
-            <a:bodyPr rtlCol="0" anchor="ctr"/>
-            <a:lstStyle/>
-            <a:p>
-              <a:pPr algn="ctr"/>
-              <a:endParaRPr lang="en-US"/>
-            </a:p>
-          </p:txBody>
-        </p:sp>
-        <p:sp>
-          <p:nvSpPr>
-            <p:cNvPr id="13" name="Rectangle 12"/>
-            <p:cNvSpPr/>
-            <p:nvPr/>
-          </p:nvSpPr>
-          <p:spPr>
-            <a:xfrm rot="985808">
-              <a:off x="4083754" y="3515420"/>
-              <a:ext cx="1174376" cy="591671"/>
-            </a:xfrm>
-            <a:prstGeom prst="rect">
-              <a:avLst/>
-            </a:prstGeom>
-            <a:blipFill dpi="0" rotWithShape="1">
-              <a:blip r:embed="rId2">
-                <a:extLst>
-                  <a:ext uri="{28A0092B-C50C-407E-A947-70E740481C1C}">
-                    <a14:useLocalDpi xmlns:a14="http://schemas.microsoft.com/office/drawing/2010/main" val="0"/>
-                  </a:ext>
-                </a:extLst>
-              </a:blip>
-              <a:srcRect/>
-              <a:stretch>
-                <a:fillRect/>
-              </a:stretch>
-            </a:blipFill>
-            <a:ln>
-              <a:noFill/>
-            </a:ln>
-          </p:spPr>
-          <p:style>
-            <a:lnRef idx="2">
-              <a:schemeClr val="accent1">
-                <a:shade val="50000"/>
-              </a:schemeClr>
-            </a:lnRef>
-            <a:fillRef idx="1">
-              <a:schemeClr val="accent1"/>
-            </a:fillRef>
-            <a:effectRef idx="0">
-              <a:schemeClr val="accent1"/>
-            </a:effectRef>
-            <a:fontRef idx="minor">
-              <a:schemeClr val="lt1"/>
-            </a:fontRef>
-          </p:style>
-          <p:txBody>
-            <a:bodyPr rtlCol="0" anchor="ctr"/>
-            <a:lstStyle/>
-            <a:p>
-              <a:pPr algn="ctr"/>
-              <a:endParaRPr lang="en-US"/>
-            </a:p>
-          </p:txBody>
-        </p:sp>
-        <p:sp>
-          <p:nvSpPr>
-            <p:cNvPr id="15" name="Rectangle 14"/>
-            <p:cNvSpPr/>
-            <p:nvPr/>
-          </p:nvSpPr>
-          <p:spPr>
-            <a:xfrm rot="2329243">
-              <a:off x="3436869" y="4276576"/>
-              <a:ext cx="1174376" cy="591671"/>
-            </a:xfrm>
-            <a:prstGeom prst="rect">
-              <a:avLst/>
-            </a:prstGeom>
-            <a:blipFill dpi="0" rotWithShape="1">
-              <a:blip r:embed="rId2">
-                <a:extLst>
-                  <a:ext uri="{28A0092B-C50C-407E-A947-70E740481C1C}">
-                    <a14:useLocalDpi xmlns:a14="http://schemas.microsoft.com/office/drawing/2010/main" val="0"/>
-                  </a:ext>
-                </a:extLst>
-              </a:blip>
-              <a:srcRect/>
-              <a:stretch>
-                <a:fillRect/>
-              </a:stretch>
-            </a:blipFill>
-            <a:ln>
-              <a:noFill/>
-            </a:ln>
-          </p:spPr>
-          <p:style>
-            <a:lnRef idx="2">
-              <a:schemeClr val="accent1">
-                <a:shade val="50000"/>
-              </a:schemeClr>
-            </a:lnRef>
-            <a:fillRef idx="1">
-              <a:schemeClr val="accent1"/>
-            </a:fillRef>
-            <a:effectRef idx="0">
-              <a:schemeClr val="accent1"/>
-            </a:effectRef>
-            <a:fontRef idx="minor">
-              <a:schemeClr val="lt1"/>
-            </a:fontRef>
-          </p:style>
-          <p:txBody>
-            <a:bodyPr rtlCol="0" anchor="ctr"/>
-            <a:lstStyle/>
-            <a:p>
-              <a:pPr algn="ctr"/>
-              <a:endParaRPr lang="en-US"/>
-            </a:p>
-          </p:txBody>
-        </p:sp>
-        <p:sp>
-          <p:nvSpPr>
-            <p:cNvPr id="8" name="Oval 7"/>
-            <p:cNvSpPr/>
-            <p:nvPr/>
-          </p:nvSpPr>
-          <p:spPr>
-            <a:xfrm>
-              <a:off x="3906823" y="408249"/>
-              <a:ext cx="1554480" cy="1554480"/>
-            </a:xfrm>
-            <a:prstGeom prst="ellipse">
-              <a:avLst/>
-            </a:prstGeom>
-            <a:blipFill dpi="0" rotWithShape="1">
-              <a:blip r:embed="rId8">
-                <a:extLst>
-                  <a:ext uri="{28A0092B-C50C-407E-A947-70E740481C1C}">
-                    <a14:useLocalDpi xmlns:a14="http://schemas.microsoft.com/office/drawing/2010/main" val="0"/>
-                  </a:ext>
-                </a:extLst>
-              </a:blip>
-              <a:srcRect/>
-              <a:stretch>
-                <a:fillRect/>
-              </a:stretch>
-            </a:blipFill>
-            <a:ln>
-              <a:noFill/>
-            </a:ln>
-          </p:spPr>
-          <p:style>
-            <a:lnRef idx="2">
-              <a:schemeClr val="accent1">
-                <a:shade val="50000"/>
-              </a:schemeClr>
-            </a:lnRef>
-            <a:fillRef idx="1">
-              <a:schemeClr val="accent1"/>
-            </a:fillRef>
-            <a:effectRef idx="0">
-              <a:schemeClr val="accent1"/>
-            </a:effectRef>
-            <a:fontRef idx="minor">
-              <a:schemeClr val="lt1"/>
-            </a:fontRef>
-          </p:style>
-          <p:txBody>
-            <a:bodyPr rtlCol="0" anchor="ctr"/>
-            <a:lstStyle/>
-            <a:p>
-              <a:pPr algn="ctr"/>
-              <a:endParaRPr lang="en-US"/>
-            </a:p>
-          </p:txBody>
-        </p:sp>
-      </p:grpSp>
       <p:sp>
         <p:nvSpPr>
           <p:cNvPr id="16" name="Rounded Rectangle 15"/>
@@ -3612,23 +2978,30 @@
         </p:nvSpPr>
         <p:spPr>
           <a:xfrm>
-            <a:off x="209774" y="166744"/>
-            <a:ext cx="11462273" cy="1043491"/>
+            <a:off x="-109181" y="-102583"/>
+            <a:ext cx="12460375" cy="7030819"/>
           </a:xfrm>
           <a:prstGeom prst="roundRect">
-            <a:avLst/>
+            <a:avLst>
+              <a:gd name="adj" fmla="val 2311"/>
+            </a:avLst>
           </a:prstGeom>
+          <a:solidFill>
+            <a:schemeClr val="bg2">
+              <a:lumMod val="25000"/>
+              <a:alpha val="68000"/>
+            </a:schemeClr>
+          </a:solidFill>
+          <a:ln/>
         </p:spPr>
         <p:style>
-          <a:lnRef idx="2">
-            <a:schemeClr val="accent1">
-              <a:shade val="50000"/>
-            </a:schemeClr>
+          <a:lnRef idx="0">
+            <a:schemeClr val="accent1"/>
           </a:lnRef>
-          <a:fillRef idx="1">
+          <a:fillRef idx="3">
             <a:schemeClr val="accent1"/>
           </a:fillRef>
-          <a:effectRef idx="0">
+          <a:effectRef idx="3">
             <a:schemeClr val="accent1"/>
           </a:effectRef>
           <a:fontRef idx="minor">
@@ -3639,34 +3012,818 @@
           <a:bodyPr rtlCol="0" anchor="ctr"/>
           <a:lstStyle/>
           <a:p>
-            <a:r>
-              <a:rPr lang="en-US" sz="4000" b="1" dirty="0" smtClean="0">
+            <a:endParaRPr lang="en-US" sz="4000" b="1" dirty="0">
+              <a:ln w="10160">
+                <a:solidFill>
+                  <a:schemeClr val="accent5"/>
+                </a:solidFill>
+                <a:prstDash val="solid"/>
+              </a:ln>
+              <a:solidFill>
+                <a:srgbClr val="FFFFFF"/>
+              </a:solidFill>
+              <a:effectLst>
+                <a:outerShdw blurRad="38100" dist="22860" dir="5400000" algn="tl" rotWithShape="0">
+                  <a:srgbClr val="000000">
+                    <a:alpha val="30000"/>
+                  </a:srgbClr>
+                </a:outerShdw>
+              </a:effectLst>
+            </a:endParaRPr>
+          </a:p>
+        </p:txBody>
+      </p:sp>
+      <p:grpSp>
+        <p:nvGrpSpPr>
+          <p:cNvPr id="50" name="Group 49"/>
+          <p:cNvGrpSpPr/>
+          <p:nvPr/>
+        </p:nvGrpSpPr>
+        <p:grpSpPr>
+          <a:xfrm>
+            <a:off x="2363693" y="2369371"/>
+            <a:ext cx="7428157" cy="2998695"/>
+            <a:chOff x="2842772" y="3045136"/>
+            <a:chExt cx="8473177" cy="3225343"/>
+          </a:xfrm>
+        </p:grpSpPr>
+        <p:grpSp>
+          <p:nvGrpSpPr>
+            <p:cNvPr id="38" name="Group 37"/>
+            <p:cNvGrpSpPr/>
+            <p:nvPr/>
+          </p:nvGrpSpPr>
+          <p:grpSpPr>
+            <a:xfrm>
+              <a:off x="2842772" y="3045136"/>
+              <a:ext cx="8473177" cy="3225343"/>
+              <a:chOff x="2822300" y="3045136"/>
+              <a:chExt cx="8473177" cy="3225343"/>
+            </a:xfrm>
+          </p:grpSpPr>
+          <p:grpSp>
+            <p:nvGrpSpPr>
+              <p:cNvPr id="32" name="Group 31"/>
+              <p:cNvGrpSpPr/>
+              <p:nvPr/>
+            </p:nvGrpSpPr>
+            <p:grpSpPr>
+              <a:xfrm>
+                <a:off x="4784291" y="3045136"/>
+                <a:ext cx="6511186" cy="3225343"/>
+                <a:chOff x="1007199" y="3190369"/>
+                <a:chExt cx="6511186" cy="3225343"/>
+              </a:xfrm>
+            </p:grpSpPr>
+            <p:sp>
+              <p:nvSpPr>
+                <p:cNvPr id="25" name="Oval 24"/>
+                <p:cNvSpPr/>
+                <p:nvPr/>
+              </p:nvSpPr>
+              <p:spPr>
+                <a:xfrm>
+                  <a:off x="6549978" y="3190369"/>
+                  <a:ext cx="793472" cy="781427"/>
+                </a:xfrm>
+                <a:prstGeom prst="ellipse">
+                  <a:avLst/>
+                </a:prstGeom>
+                <a:blipFill dpi="0" rotWithShape="1">
+                  <a:blip r:embed="rId2" cstate="print">
+                    <a:extLst>
+                      <a:ext uri="{28A0092B-C50C-407E-A947-70E740481C1C}">
+                        <a14:useLocalDpi xmlns:a14="http://schemas.microsoft.com/office/drawing/2010/main" val="0"/>
+                      </a:ext>
+                    </a:extLst>
+                  </a:blip>
+                  <a:srcRect/>
+                  <a:stretch>
+                    <a:fillRect/>
+                  </a:stretch>
+                </a:blipFill>
+                <a:ln>
+                  <a:noFill/>
+                </a:ln>
+              </p:spPr>
+              <p:style>
+                <a:lnRef idx="2">
+                  <a:schemeClr val="accent1">
+                    <a:shade val="50000"/>
+                  </a:schemeClr>
+                </a:lnRef>
+                <a:fillRef idx="1">
+                  <a:schemeClr val="accent1"/>
+                </a:fillRef>
+                <a:effectRef idx="0">
+                  <a:schemeClr val="accent1"/>
+                </a:effectRef>
+                <a:fontRef idx="minor">
+                  <a:schemeClr val="lt1"/>
+                </a:fontRef>
+              </p:style>
+              <p:txBody>
+                <a:bodyPr rtlCol="0" anchor="ctr"/>
+                <a:lstStyle/>
+                <a:p>
+                  <a:pPr algn="ctr"/>
+                  <a:endParaRPr lang="en-US"/>
+                </a:p>
+              </p:txBody>
+            </p:sp>
+            <p:sp>
+              <p:nvSpPr>
+                <p:cNvPr id="26" name="Oval 25"/>
+                <p:cNvSpPr/>
+                <p:nvPr/>
+              </p:nvSpPr>
+              <p:spPr>
+                <a:xfrm>
+                  <a:off x="6724913" y="4362226"/>
+                  <a:ext cx="793472" cy="781427"/>
+                </a:xfrm>
+                <a:prstGeom prst="ellipse">
+                  <a:avLst/>
+                </a:prstGeom>
+                <a:blipFill dpi="0" rotWithShape="1">
+                  <a:blip r:embed="rId3" cstate="print">
+                    <a:extLst>
+                      <a:ext uri="{28A0092B-C50C-407E-A947-70E740481C1C}">
+                        <a14:useLocalDpi xmlns:a14="http://schemas.microsoft.com/office/drawing/2010/main" val="0"/>
+                      </a:ext>
+                    </a:extLst>
+                  </a:blip>
+                  <a:srcRect/>
+                  <a:stretch>
+                    <a:fillRect/>
+                  </a:stretch>
+                </a:blipFill>
+                <a:ln>
+                  <a:noFill/>
+                </a:ln>
+              </p:spPr>
+              <p:style>
+                <a:lnRef idx="2">
+                  <a:schemeClr val="accent1">
+                    <a:shade val="50000"/>
+                  </a:schemeClr>
+                </a:lnRef>
+                <a:fillRef idx="1">
+                  <a:schemeClr val="accent1"/>
+                </a:fillRef>
+                <a:effectRef idx="0">
+                  <a:schemeClr val="accent1"/>
+                </a:effectRef>
+                <a:fontRef idx="minor">
+                  <a:schemeClr val="lt1"/>
+                </a:fontRef>
+              </p:style>
+              <p:txBody>
+                <a:bodyPr rtlCol="0" anchor="ctr"/>
+                <a:lstStyle/>
+                <a:p>
+                  <a:pPr algn="ctr"/>
+                  <a:endParaRPr lang="en-US"/>
+                </a:p>
+              </p:txBody>
+            </p:sp>
+            <p:sp>
+              <p:nvSpPr>
+                <p:cNvPr id="27" name="Oval 26"/>
+                <p:cNvSpPr/>
+                <p:nvPr/>
+              </p:nvSpPr>
+              <p:spPr>
+                <a:xfrm>
+                  <a:off x="6548870" y="5634285"/>
+                  <a:ext cx="793472" cy="781427"/>
+                </a:xfrm>
+                <a:prstGeom prst="ellipse">
+                  <a:avLst/>
+                </a:prstGeom>
+                <a:blipFill dpi="0" rotWithShape="1">
+                  <a:blip r:embed="rId4" cstate="print">
+                    <a:extLst>
+                      <a:ext uri="{28A0092B-C50C-407E-A947-70E740481C1C}">
+                        <a14:useLocalDpi xmlns:a14="http://schemas.microsoft.com/office/drawing/2010/main" val="0"/>
+                      </a:ext>
+                    </a:extLst>
+                  </a:blip>
+                  <a:srcRect/>
+                  <a:stretch>
+                    <a:fillRect/>
+                  </a:stretch>
+                </a:blipFill>
+                <a:ln>
+                  <a:noFill/>
+                </a:ln>
+              </p:spPr>
+              <p:style>
+                <a:lnRef idx="2">
+                  <a:schemeClr val="accent1">
+                    <a:shade val="50000"/>
+                  </a:schemeClr>
+                </a:lnRef>
+                <a:fillRef idx="1">
+                  <a:schemeClr val="accent1"/>
+                </a:fillRef>
+                <a:effectRef idx="0">
+                  <a:schemeClr val="accent1"/>
+                </a:effectRef>
+                <a:fontRef idx="minor">
+                  <a:schemeClr val="lt1"/>
+                </a:fontRef>
+              </p:style>
+              <p:txBody>
+                <a:bodyPr rtlCol="0" anchor="ctr"/>
+                <a:lstStyle/>
+                <a:p>
+                  <a:pPr algn="ctr"/>
+                  <a:endParaRPr lang="en-US"/>
+                </a:p>
+              </p:txBody>
+            </p:sp>
+            <p:sp>
+              <p:nvSpPr>
+                <p:cNvPr id="29" name="Oval 28"/>
+                <p:cNvSpPr/>
+                <p:nvPr/>
+              </p:nvSpPr>
+              <p:spPr>
+                <a:xfrm>
+                  <a:off x="1007199" y="4337457"/>
+                  <a:ext cx="639104" cy="830961"/>
+                </a:xfrm>
+                <a:prstGeom prst="ellipse">
+                  <a:avLst/>
+                </a:prstGeom>
+                <a:blipFill dpi="0" rotWithShape="1">
+                  <a:blip r:embed="rId5" cstate="print">
+                    <a:extLst>
+                      <a:ext uri="{28A0092B-C50C-407E-A947-70E740481C1C}">
+                        <a14:useLocalDpi xmlns:a14="http://schemas.microsoft.com/office/drawing/2010/main" val="0"/>
+                      </a:ext>
+                    </a:extLst>
+                  </a:blip>
+                  <a:srcRect/>
+                  <a:stretch>
+                    <a:fillRect/>
+                  </a:stretch>
+                </a:blipFill>
+                <a:ln>
+                  <a:noFill/>
+                </a:ln>
+              </p:spPr>
+              <p:style>
+                <a:lnRef idx="2">
+                  <a:schemeClr val="accent1">
+                    <a:shade val="50000"/>
+                  </a:schemeClr>
+                </a:lnRef>
+                <a:fillRef idx="1">
+                  <a:schemeClr val="accent1"/>
+                </a:fillRef>
+                <a:effectRef idx="0">
+                  <a:schemeClr val="accent1"/>
+                </a:effectRef>
+                <a:fontRef idx="minor">
+                  <a:schemeClr val="lt1"/>
+                </a:fontRef>
+              </p:style>
+              <p:txBody>
+                <a:bodyPr rtlCol="0" anchor="ctr"/>
+                <a:lstStyle/>
+                <a:p>
+                  <a:pPr algn="ctr"/>
+                  <a:endParaRPr lang="en-US"/>
+                </a:p>
+              </p:txBody>
+            </p:sp>
+            <p:sp>
+              <p:nvSpPr>
+                <p:cNvPr id="30" name="Oval 29"/>
+                <p:cNvSpPr/>
+                <p:nvPr/>
+              </p:nvSpPr>
+              <p:spPr>
+                <a:xfrm>
+                  <a:off x="2838733" y="4362228"/>
+                  <a:ext cx="793472" cy="781427"/>
+                </a:xfrm>
+                <a:prstGeom prst="ellipse">
+                  <a:avLst/>
+                </a:prstGeom>
+                <a:blipFill dpi="0" rotWithShape="1">
+                  <a:blip r:embed="rId6">
+                    <a:extLst>
+                      <a:ext uri="{28A0092B-C50C-407E-A947-70E740481C1C}">
+                        <a14:useLocalDpi xmlns:a14="http://schemas.microsoft.com/office/drawing/2010/main" val="0"/>
+                      </a:ext>
+                    </a:extLst>
+                  </a:blip>
+                  <a:srcRect/>
+                  <a:stretch>
+                    <a:fillRect/>
+                  </a:stretch>
+                </a:blipFill>
+                <a:ln>
+                  <a:noFill/>
+                </a:ln>
+              </p:spPr>
+              <p:style>
+                <a:lnRef idx="2">
+                  <a:schemeClr val="accent1">
+                    <a:shade val="50000"/>
+                  </a:schemeClr>
+                </a:lnRef>
+                <a:fillRef idx="1">
+                  <a:schemeClr val="accent1"/>
+                </a:fillRef>
+                <a:effectRef idx="0">
+                  <a:schemeClr val="accent1"/>
+                </a:effectRef>
+                <a:fontRef idx="minor">
+                  <a:schemeClr val="lt1"/>
+                </a:fontRef>
+              </p:style>
+              <p:txBody>
+                <a:bodyPr rtlCol="0" anchor="ctr"/>
+                <a:lstStyle/>
+                <a:p>
+                  <a:pPr algn="ctr"/>
+                  <a:endParaRPr lang="en-US"/>
+                </a:p>
+              </p:txBody>
+            </p:sp>
+            <p:sp>
+              <p:nvSpPr>
+                <p:cNvPr id="31" name="Oval 30"/>
+                <p:cNvSpPr/>
+                <p:nvPr/>
+              </p:nvSpPr>
+              <p:spPr>
+                <a:xfrm>
+                  <a:off x="4584199" y="4312692"/>
+                  <a:ext cx="1188720" cy="1188720"/>
+                </a:xfrm>
+                <a:prstGeom prst="ellipse">
+                  <a:avLst/>
+                </a:prstGeom>
+                <a:blipFill dpi="0" rotWithShape="1">
+                  <a:blip r:embed="rId7">
+                    <a:extLst>
+                      <a:ext uri="{28A0092B-C50C-407E-A947-70E740481C1C}">
+                        <a14:useLocalDpi xmlns:a14="http://schemas.microsoft.com/office/drawing/2010/main" val="0"/>
+                      </a:ext>
+                    </a:extLst>
+                  </a:blip>
+                  <a:srcRect/>
+                  <a:stretch>
+                    <a:fillRect/>
+                  </a:stretch>
+                </a:blipFill>
+                <a:ln>
+                  <a:noFill/>
+                </a:ln>
+              </p:spPr>
+              <p:style>
+                <a:lnRef idx="2">
+                  <a:schemeClr val="accent1">
+                    <a:shade val="50000"/>
+                  </a:schemeClr>
+                </a:lnRef>
+                <a:fillRef idx="1">
+                  <a:schemeClr val="accent1"/>
+                </a:fillRef>
+                <a:effectRef idx="0">
+                  <a:schemeClr val="accent1"/>
+                </a:effectRef>
+                <a:fontRef idx="minor">
+                  <a:schemeClr val="lt1"/>
+                </a:fontRef>
+              </p:style>
+              <p:txBody>
+                <a:bodyPr rtlCol="0" anchor="ctr"/>
+                <a:lstStyle/>
+                <a:p>
+                  <a:pPr algn="ctr"/>
+                  <a:endParaRPr lang="en-US"/>
+                </a:p>
+              </p:txBody>
+            </p:sp>
+          </p:grpSp>
+          <p:pic>
+            <p:nvPicPr>
+              <p:cNvPr id="39" name="Picture 38"/>
+              <p:cNvPicPr>
+                <a:picLocks noChangeAspect="1"/>
+              </p:cNvPicPr>
+              <p:nvPr/>
+            </p:nvPicPr>
+            <p:blipFill>
+              <a:blip r:embed="rId8" cstate="print">
+                <a:lum bright="70000" contrast="-70000"/>
+                <a:extLst>
+                  <a:ext uri="{BEBA8EAE-BF5A-486C-A8C5-ECC9F3942E4B}">
+                    <a14:imgProps xmlns:a14="http://schemas.microsoft.com/office/drawing/2010/main">
+                      <a14:imgLayer r:embed="rId9">
+                        <a14:imgEffect>
+                          <a14:backgroundRemoval t="9778" b="89778" l="0" r="100000"/>
+                        </a14:imgEffect>
+                        <a14:imgEffect>
+                          <a14:brightnessContrast bright="100000" contrast="-70000"/>
+                        </a14:imgEffect>
+                      </a14:imgLayer>
+                    </a14:imgProps>
+                  </a:ext>
+                  <a:ext uri="{28A0092B-C50C-407E-A947-70E740481C1C}">
+                    <a14:useLocalDpi xmlns:a14="http://schemas.microsoft.com/office/drawing/2010/main" val="0"/>
+                  </a:ext>
+                </a:extLst>
+              </a:blip>
+              <a:stretch>
+                <a:fillRect/>
+              </a:stretch>
+            </p:blipFill>
+            <p:spPr>
+              <a:xfrm>
+                <a:off x="3659543" y="4216992"/>
+                <a:ext cx="1001050" cy="781427"/>
+              </a:xfrm>
+              <a:prstGeom prst="rect">
+                <a:avLst/>
+              </a:prstGeom>
+            </p:spPr>
+          </p:pic>
+          <p:sp>
+            <p:nvSpPr>
+              <p:cNvPr id="41" name="Oval 40"/>
+              <p:cNvSpPr/>
+              <p:nvPr/>
+            </p:nvSpPr>
+            <p:spPr>
+              <a:xfrm>
+                <a:off x="2822300" y="4216992"/>
+                <a:ext cx="793472" cy="781427"/>
+              </a:xfrm>
+              <a:prstGeom prst="ellipse">
+                <a:avLst/>
+              </a:prstGeom>
+              <a:blipFill dpi="0" rotWithShape="1">
+                <a:blip r:embed="rId10">
+                  <a:extLst>
+                    <a:ext uri="{28A0092B-C50C-407E-A947-70E740481C1C}">
+                      <a14:useLocalDpi xmlns:a14="http://schemas.microsoft.com/office/drawing/2010/main" val="0"/>
+                    </a:ext>
+                  </a:extLst>
+                </a:blip>
+                <a:srcRect/>
+                <a:stretch>
+                  <a:fillRect/>
+                </a:stretch>
+              </a:blipFill>
+              <a:ln>
+                <a:noFill/>
+              </a:ln>
+            </p:spPr>
+            <p:style>
+              <a:lnRef idx="2">
+                <a:schemeClr val="accent1">
+                  <a:shade val="50000"/>
+                </a:schemeClr>
+              </a:lnRef>
+              <a:fillRef idx="1">
+                <a:schemeClr val="accent1"/>
+              </a:fillRef>
+              <a:effectRef idx="0">
+                <a:schemeClr val="accent1"/>
+              </a:effectRef>
+              <a:fontRef idx="minor">
+                <a:schemeClr val="lt1"/>
+              </a:fontRef>
+            </p:style>
+            <p:txBody>
+              <a:bodyPr rtlCol="0" anchor="ctr"/>
+              <a:lstStyle/>
+              <a:p>
+                <a:pPr algn="ctr"/>
+                <a:endParaRPr lang="en-US"/>
+              </a:p>
+            </p:txBody>
+          </p:sp>
+        </p:grpSp>
+        <p:pic>
+          <p:nvPicPr>
+            <p:cNvPr id="45" name="Picture 44"/>
+            <p:cNvPicPr>
+              <a:picLocks noChangeAspect="1"/>
+            </p:cNvPicPr>
+            <p:nvPr/>
+          </p:nvPicPr>
+          <p:blipFill>
+            <a:blip r:embed="rId8" cstate="print">
+              <a:lum bright="70000" contrast="-70000"/>
+              <a:extLst>
+                <a:ext uri="{BEBA8EAE-BF5A-486C-A8C5-ECC9F3942E4B}">
+                  <a14:imgProps xmlns:a14="http://schemas.microsoft.com/office/drawing/2010/main">
+                    <a14:imgLayer r:embed="rId9">
+                      <a14:imgEffect>
+                        <a14:backgroundRemoval t="9778" b="89778" l="0" r="100000"/>
+                      </a14:imgEffect>
+                      <a14:imgEffect>
+                        <a14:brightnessContrast bright="100000" contrast="-70000"/>
+                      </a14:imgEffect>
+                    </a14:imgLayer>
+                  </a14:imgProps>
+                </a:ext>
+                <a:ext uri="{28A0092B-C50C-407E-A947-70E740481C1C}">
+                  <a14:useLocalDpi xmlns:a14="http://schemas.microsoft.com/office/drawing/2010/main" val="0"/>
+                </a:ext>
+              </a:extLst>
+            </a:blip>
+            <a:stretch>
+              <a:fillRect/>
+            </a:stretch>
+          </p:blipFill>
+          <p:spPr>
+            <a:xfrm>
+              <a:off x="5539557" y="4294088"/>
+              <a:ext cx="1001050" cy="781427"/>
+            </a:xfrm>
+            <a:prstGeom prst="rect">
+              <a:avLst/>
+            </a:prstGeom>
+          </p:spPr>
+        </p:pic>
+        <p:pic>
+          <p:nvPicPr>
+            <p:cNvPr id="46" name="Picture 45"/>
+            <p:cNvPicPr>
+              <a:picLocks noChangeAspect="1"/>
+            </p:cNvPicPr>
+            <p:nvPr/>
+          </p:nvPicPr>
+          <p:blipFill>
+            <a:blip r:embed="rId8" cstate="print">
+              <a:lum bright="70000" contrast="-70000"/>
+              <a:extLst>
+                <a:ext uri="{BEBA8EAE-BF5A-486C-A8C5-ECC9F3942E4B}">
+                  <a14:imgProps xmlns:a14="http://schemas.microsoft.com/office/drawing/2010/main">
+                    <a14:imgLayer r:embed="rId9">
+                      <a14:imgEffect>
+                        <a14:backgroundRemoval t="9778" b="89778" l="0" r="100000"/>
+                      </a14:imgEffect>
+                      <a14:imgEffect>
+                        <a14:brightnessContrast bright="100000" contrast="-70000"/>
+                      </a14:imgEffect>
+                    </a14:imgLayer>
+                  </a14:imgProps>
+                </a:ext>
+                <a:ext uri="{28A0092B-C50C-407E-A947-70E740481C1C}">
+                  <a14:useLocalDpi xmlns:a14="http://schemas.microsoft.com/office/drawing/2010/main" val="0"/>
+                </a:ext>
+              </a:extLst>
+            </a:blip>
+            <a:stretch>
+              <a:fillRect/>
+            </a:stretch>
+          </p:blipFill>
+          <p:spPr>
+            <a:xfrm>
+              <a:off x="7479501" y="4294087"/>
+              <a:ext cx="1001050" cy="781427"/>
+            </a:xfrm>
+            <a:prstGeom prst="rect">
+              <a:avLst/>
+            </a:prstGeom>
+          </p:spPr>
+        </p:pic>
+        <p:pic>
+          <p:nvPicPr>
+            <p:cNvPr id="47" name="Picture 46"/>
+            <p:cNvPicPr>
+              <a:picLocks noChangeAspect="1"/>
+            </p:cNvPicPr>
+            <p:nvPr/>
+          </p:nvPicPr>
+          <p:blipFill>
+            <a:blip r:embed="rId8" cstate="print">
+              <a:lum bright="70000" contrast="-70000"/>
+              <a:extLst>
+                <a:ext uri="{BEBA8EAE-BF5A-486C-A8C5-ECC9F3942E4B}">
+                  <a14:imgProps xmlns:a14="http://schemas.microsoft.com/office/drawing/2010/main">
+                    <a14:imgLayer r:embed="rId9">
+                      <a14:imgEffect>
+                        <a14:backgroundRemoval t="9778" b="89778" l="0" r="100000"/>
+                      </a14:imgEffect>
+                      <a14:imgEffect>
+                        <a14:brightnessContrast bright="100000" contrast="-70000"/>
+                      </a14:imgEffect>
+                    </a14:imgLayer>
+                  </a14:imgProps>
+                </a:ext>
+                <a:ext uri="{28A0092B-C50C-407E-A947-70E740481C1C}">
+                  <a14:useLocalDpi xmlns:a14="http://schemas.microsoft.com/office/drawing/2010/main" val="0"/>
+                </a:ext>
+              </a:extLst>
+            </a:blip>
+            <a:stretch>
+              <a:fillRect/>
+            </a:stretch>
+          </p:blipFill>
+          <p:spPr>
+            <a:xfrm>
+              <a:off x="9432545" y="4267094"/>
+              <a:ext cx="1001050" cy="781427"/>
+            </a:xfrm>
+            <a:prstGeom prst="rect">
+              <a:avLst/>
+            </a:prstGeom>
+          </p:spPr>
+        </p:pic>
+        <p:pic>
+          <p:nvPicPr>
+            <p:cNvPr id="48" name="Picture 47"/>
+            <p:cNvPicPr>
+              <a:picLocks noChangeAspect="1"/>
+            </p:cNvPicPr>
+            <p:nvPr/>
+          </p:nvPicPr>
+          <p:blipFill>
+            <a:blip r:embed="rId8" cstate="print">
+              <a:lum bright="70000" contrast="-70000"/>
+              <a:extLst>
+                <a:ext uri="{BEBA8EAE-BF5A-486C-A8C5-ECC9F3942E4B}">
+                  <a14:imgProps xmlns:a14="http://schemas.microsoft.com/office/drawing/2010/main">
+                    <a14:imgLayer r:embed="rId9">
+                      <a14:imgEffect>
+                        <a14:backgroundRemoval t="9778" b="89778" l="0" r="100000"/>
+                      </a14:imgEffect>
+                      <a14:imgEffect>
+                        <a14:brightnessContrast bright="100000" contrast="-70000"/>
+                      </a14:imgEffect>
+                    </a14:imgLayer>
+                  </a14:imgProps>
+                </a:ext>
+                <a:ext uri="{28A0092B-C50C-407E-A947-70E740481C1C}">
+                  <a14:useLocalDpi xmlns:a14="http://schemas.microsoft.com/office/drawing/2010/main" val="0"/>
+                </a:ext>
+              </a:extLst>
+            </a:blip>
+            <a:stretch>
+              <a:fillRect/>
+            </a:stretch>
+          </p:blipFill>
+          <p:spPr>
+            <a:xfrm rot="19553886">
+              <a:off x="9299709" y="3476406"/>
+              <a:ext cx="1001050" cy="781427"/>
+            </a:xfrm>
+            <a:prstGeom prst="rect">
+              <a:avLst/>
+            </a:prstGeom>
+          </p:spPr>
+        </p:pic>
+        <p:pic>
+          <p:nvPicPr>
+            <p:cNvPr id="49" name="Picture 48"/>
+            <p:cNvPicPr>
+              <a:picLocks noChangeAspect="1"/>
+            </p:cNvPicPr>
+            <p:nvPr/>
+          </p:nvPicPr>
+          <p:blipFill>
+            <a:blip r:embed="rId8" cstate="print">
+              <a:lum bright="70000" contrast="-70000"/>
+              <a:extLst>
+                <a:ext uri="{BEBA8EAE-BF5A-486C-A8C5-ECC9F3942E4B}">
+                  <a14:imgProps xmlns:a14="http://schemas.microsoft.com/office/drawing/2010/main">
+                    <a14:imgLayer r:embed="rId9">
+                      <a14:imgEffect>
+                        <a14:backgroundRemoval t="9778" b="89778" l="0" r="100000"/>
+                      </a14:imgEffect>
+                      <a14:imgEffect>
+                        <a14:brightnessContrast bright="100000" contrast="-70000"/>
+                      </a14:imgEffect>
+                    </a14:imgLayer>
+                  </a14:imgProps>
+                </a:ext>
+                <a:ext uri="{28A0092B-C50C-407E-A947-70E740481C1C}">
+                  <a14:useLocalDpi xmlns:a14="http://schemas.microsoft.com/office/drawing/2010/main" val="0"/>
+                </a:ext>
+              </a:extLst>
+            </a:blip>
+            <a:stretch>
+              <a:fillRect/>
+            </a:stretch>
+          </p:blipFill>
+          <p:spPr>
+            <a:xfrm rot="1300304">
+              <a:off x="9313769" y="5123100"/>
+              <a:ext cx="1001050" cy="781427"/>
+            </a:xfrm>
+            <a:prstGeom prst="rect">
+              <a:avLst/>
+            </a:prstGeom>
+          </p:spPr>
+        </p:pic>
+      </p:grpSp>
+      <p:sp>
+        <p:nvSpPr>
+          <p:cNvPr id="43" name="TextBox 42"/>
+          <p:cNvSpPr txBox="1"/>
+          <p:nvPr/>
+        </p:nvSpPr>
+        <p:spPr>
+          <a:xfrm>
+            <a:off x="3216534" y="335446"/>
+            <a:ext cx="6884895" cy="861774"/>
+          </a:xfrm>
+          <a:prstGeom prst="rect">
+            <a:avLst/>
+          </a:prstGeom>
+          <a:noFill/>
+          <a:ln>
+            <a:noFill/>
+          </a:ln>
+        </p:spPr>
+        <p:txBody>
+          <a:bodyPr wrap="square" rtlCol="0">
+            <a:spAutoFit/>
+          </a:bodyPr>
+          <a:lstStyle/>
+          <a:p>
+            <a:r>
+              <a:rPr lang="en-US" sz="3200" b="1" dirty="0">
+                <a:ln w="10160">
+                  <a:solidFill>
+                    <a:schemeClr val="bg1"/>
+                  </a:solidFill>
+                  <a:prstDash val="solid"/>
+                </a:ln>
+                <a:solidFill>
+                  <a:srgbClr val="FFFFFF"/>
+                </a:solidFill>
+                <a:effectLst>
+                  <a:outerShdw blurRad="38100" dist="22860" dir="5400000" algn="tl" rotWithShape="0">
+                    <a:srgbClr val="000000">
+                      <a:alpha val="30000"/>
+                    </a:srgbClr>
+                  </a:outerShdw>
+                </a:effectLst>
+              </a:rPr>
+              <a:t>“</a:t>
+            </a:r>
+            <a:r>
+              <a:rPr lang="en-US" sz="3200" b="1" dirty="0" err="1">
+                <a:ln w="10160">
+                  <a:solidFill>
+                    <a:schemeClr val="bg1"/>
+                  </a:solidFill>
+                  <a:prstDash val="solid"/>
+                </a:ln>
+                <a:solidFill>
+                  <a:srgbClr val="FFFFFF"/>
+                </a:solidFill>
+                <a:effectLst>
+                  <a:outerShdw blurRad="38100" dist="22860" dir="5400000" algn="tl" rotWithShape="0">
+                    <a:srgbClr val="000000">
+                      <a:alpha val="30000"/>
+                    </a:srgbClr>
+                  </a:outerShdw>
+                </a:effectLst>
+              </a:rPr>
+              <a:t>TellMe</a:t>
+            </a:r>
+            <a:r>
+              <a:rPr lang="en-US" sz="3200" b="1" dirty="0">
+                <a:ln w="10160">
+                  <a:solidFill>
+                    <a:schemeClr val="bg1"/>
+                  </a:solidFill>
+                  <a:prstDash val="solid"/>
+                </a:ln>
+                <a:solidFill>
+                  <a:srgbClr val="FFFFFF"/>
+                </a:solidFill>
+                <a:effectLst>
+                  <a:outerShdw blurRad="38100" dist="22860" dir="5400000" algn="tl" rotWithShape="0">
+                    <a:srgbClr val="000000">
+                      <a:alpha val="30000"/>
+                    </a:srgbClr>
+                  </a:outerShdw>
+                </a:effectLst>
+              </a:rPr>
+              <a:t>” – The intelligent diary</a:t>
+            </a:r>
+          </a:p>
+          <a:p>
+            <a:endParaRPr lang="en-US" dirty="0">
+              <a:ln>
                 <a:solidFill>
                   <a:schemeClr val="bg1"/>
                 </a:solidFill>
-              </a:rPr>
-              <a:t>“</a:t>
-            </a:r>
-            <a:r>
-              <a:rPr lang="en-US" sz="4000" b="1" dirty="0" err="1" smtClean="0">
-                <a:solidFill>
-                  <a:schemeClr val="bg1"/>
-                </a:solidFill>
-              </a:rPr>
-              <a:t>TellMe</a:t>
-            </a:r>
-            <a:r>
-              <a:rPr lang="en-US" sz="4000" b="1" dirty="0" smtClean="0">
-                <a:solidFill>
-                  <a:schemeClr val="bg1"/>
-                </a:solidFill>
-              </a:rPr>
-              <a:t>” – The intelligent diary</a:t>
-            </a:r>
-            <a:endParaRPr lang="en-US" sz="4000" b="1" dirty="0">
-              <a:solidFill>
-                <a:schemeClr val="bg1"/>
-              </a:solidFill>
+              </a:ln>
             </a:endParaRPr>
           </a:p>
         </p:txBody>
@@ -3681,6 +3838,187 @@
   <p:clrMapOvr>
     <a:masterClrMapping/>
   </p:clrMapOvr>
+  <p:timing>
+    <p:tnLst>
+      <p:par>
+        <p:cTn id="1" dur="indefinite" restart="never" nodeType="tmRoot"/>
+      </p:par>
+    </p:tnLst>
+  </p:timing>
+</p:sld>
+</file>
+
+<file path=ppt/slides/slide2.xml><?xml version="1.0" encoding="utf-8"?>
+<p:sld xmlns:a="http://schemas.openxmlformats.org/drawingml/2006/main" xmlns:r="http://schemas.openxmlformats.org/officeDocument/2006/relationships" xmlns:p="http://schemas.openxmlformats.org/presentationml/2006/main">
+  <p:cSld>
+    <p:spTree>
+      <p:nvGrpSpPr>
+        <p:cNvPr id="1" name=""/>
+        <p:cNvGrpSpPr/>
+        <p:nvPr/>
+      </p:nvGrpSpPr>
+      <p:grpSpPr>
+        <a:xfrm>
+          <a:off x="0" y="0"/>
+          <a:ext cx="0" cy="0"/>
+          <a:chOff x="0" y="0"/>
+          <a:chExt cx="0" cy="0"/>
+        </a:xfrm>
+      </p:grpSpPr>
+      <p:sp>
+        <p:nvSpPr>
+          <p:cNvPr id="2" name="TextBox 1"/>
+          <p:cNvSpPr txBox="1"/>
+          <p:nvPr/>
+        </p:nvSpPr>
+        <p:spPr>
+          <a:xfrm>
+            <a:off x="602428" y="543261"/>
+            <a:ext cx="9283850" cy="3139321"/>
+          </a:xfrm>
+          <a:prstGeom prst="rect">
+            <a:avLst/>
+          </a:prstGeom>
+          <a:noFill/>
+        </p:spPr>
+        <p:txBody>
+          <a:bodyPr wrap="square" rtlCol="0">
+            <a:spAutoFit/>
+          </a:bodyPr>
+          <a:lstStyle/>
+          <a:p>
+            <a:r>
+              <a:rPr lang="en-US" dirty="0" smtClean="0"/>
+              <a:t>“</a:t>
+            </a:r>
+            <a:r>
+              <a:rPr lang="en-US" dirty="0" err="1" smtClean="0"/>
+              <a:t>TellMe</a:t>
+            </a:r>
+            <a:r>
+              <a:rPr lang="en-US" dirty="0" smtClean="0"/>
+              <a:t>” – The Intelligent Diary</a:t>
+            </a:r>
+          </a:p>
+          <a:p>
+            <a:endParaRPr lang="en-US" dirty="0"/>
+          </a:p>
+          <a:p>
+            <a:pPr marL="285750" indent="-285750">
+              <a:buFont typeface="Arial" panose="020B0604020202020204" pitchFamily="34" charset="0"/>
+              <a:buChar char="•"/>
+            </a:pPr>
+            <a:r>
+              <a:rPr lang="en-US" dirty="0" smtClean="0"/>
+              <a:t>Idea</a:t>
+            </a:r>
+          </a:p>
+          <a:p>
+            <a:pPr marL="742950" lvl="1" indent="-285750">
+              <a:buFont typeface="Arial" panose="020B0604020202020204" pitchFamily="34" charset="0"/>
+              <a:buChar char="•"/>
+            </a:pPr>
+            <a:r>
+              <a:rPr lang="en-US" dirty="0" smtClean="0"/>
+              <a:t>“</a:t>
+            </a:r>
+            <a:r>
+              <a:rPr lang="en-US" dirty="0" err="1" smtClean="0"/>
+              <a:t>TellMe</a:t>
+            </a:r>
+            <a:r>
+              <a:rPr lang="en-US" dirty="0" smtClean="0"/>
+              <a:t>”  intelligent Algorithm</a:t>
+            </a:r>
+          </a:p>
+          <a:p>
+            <a:pPr marL="742950" lvl="1" indent="-285750">
+              <a:buFont typeface="Arial" panose="020B0604020202020204" pitchFamily="34" charset="0"/>
+              <a:buChar char="•"/>
+            </a:pPr>
+            <a:r>
+              <a:rPr lang="en-US" dirty="0" smtClean="0"/>
+              <a:t>Machine Learning (Analyze voice using Keywords and Emotions)  </a:t>
+            </a:r>
+          </a:p>
+          <a:p>
+            <a:pPr marL="285750" indent="-285750">
+              <a:buFont typeface="Arial" panose="020B0604020202020204" pitchFamily="34" charset="0"/>
+              <a:buChar char="•"/>
+            </a:pPr>
+            <a:r>
+              <a:rPr lang="en-US" dirty="0" smtClean="0"/>
+              <a:t>App</a:t>
+            </a:r>
+          </a:p>
+          <a:p>
+            <a:pPr marL="742950" lvl="1" indent="-285750">
+              <a:buFont typeface="Arial" panose="020B0604020202020204" pitchFamily="34" charset="0"/>
+              <a:buChar char="•"/>
+            </a:pPr>
+            <a:endParaRPr lang="en-US" dirty="0" smtClean="0"/>
+          </a:p>
+          <a:p>
+            <a:pPr marL="285750" indent="-285750">
+              <a:buFont typeface="Arial" panose="020B0604020202020204" pitchFamily="34" charset="0"/>
+              <a:buChar char="•"/>
+            </a:pPr>
+            <a:r>
+              <a:rPr lang="en-US" dirty="0" smtClean="0"/>
+              <a:t>Take a look in the Future</a:t>
+            </a:r>
+          </a:p>
+          <a:p>
+            <a:pPr marL="742950" lvl="1" indent="-285750">
+              <a:buFont typeface="Arial" panose="020B0604020202020204" pitchFamily="34" charset="0"/>
+              <a:buChar char="•"/>
+            </a:pPr>
+            <a:r>
+              <a:rPr lang="en-US" dirty="0" smtClean="0"/>
+              <a:t>Prevention of Mental Diseases like </a:t>
+            </a:r>
+            <a:r>
+              <a:rPr lang="en-US" dirty="0" err="1" smtClean="0"/>
+              <a:t>BurnOut</a:t>
+            </a:r>
+            <a:r>
+              <a:rPr lang="en-US" dirty="0" smtClean="0"/>
+              <a:t> or Depression</a:t>
+            </a:r>
+          </a:p>
+          <a:p>
+            <a:pPr marL="742950" lvl="1" indent="-285750">
+              <a:buFont typeface="Arial" panose="020B0604020202020204" pitchFamily="34" charset="0"/>
+              <a:buChar char="•"/>
+            </a:pPr>
+            <a:endParaRPr lang="en-US" dirty="0" smtClean="0"/>
+          </a:p>
+          <a:p>
+            <a:pPr marL="285750" indent="-285750">
+              <a:buFont typeface="Arial" panose="020B0604020202020204" pitchFamily="34" charset="0"/>
+              <a:buChar char="•"/>
+            </a:pPr>
+            <a:endParaRPr lang="en-US" dirty="0"/>
+          </a:p>
+        </p:txBody>
+      </p:sp>
+    </p:spTree>
+    <p:extLst>
+      <p:ext uri="{BB962C8B-B14F-4D97-AF65-F5344CB8AC3E}">
+        <p14:creationId xmlns:p14="http://schemas.microsoft.com/office/powerpoint/2010/main" val="1450837316"/>
+      </p:ext>
+    </p:extLst>
+  </p:cSld>
+  <p:clrMapOvr>
+    <a:masterClrMapping/>
+  </p:clrMapOvr>
+  <p:timing>
+    <p:tnLst>
+      <p:par>
+        <p:cTn id="1" dur="indefinite" restart="never" nodeType="tmRoot"/>
+      </p:par>
+    </p:tnLst>
+  </p:timing>
 </p:sld>
 </file>
 

--- a/HappyMemories/Presentation/TellMe.pptx
+++ b/HappyMemories/Presentation/TellMe.pptx
@@ -7,6 +7,7 @@
   <p:sldIdLst>
     <p:sldId id="256" r:id="rId2"/>
     <p:sldId id="257" r:id="rId3"/>
+    <p:sldId id="258" r:id="rId4"/>
   </p:sldIdLst>
   <p:sldSz cx="12192000" cy="6858000"/>
   <p:notesSz cx="6858000" cy="9144000"/>
@@ -2978,7 +2979,7 @@
         </p:nvSpPr>
         <p:spPr>
           <a:xfrm>
-            <a:off x="-109181" y="-102583"/>
+            <a:off x="-82287" y="-79558"/>
             <a:ext cx="12460375" cy="7030819"/>
           </a:xfrm>
           <a:prstGeom prst="roundRect">
@@ -3041,8 +3042,8 @@
         </p:nvGrpSpPr>
         <p:grpSpPr>
           <a:xfrm>
-            <a:off x="2363693" y="2369371"/>
-            <a:ext cx="7428157" cy="2998695"/>
+            <a:off x="2520475" y="2122903"/>
+            <a:ext cx="6997279" cy="2718039"/>
             <a:chOff x="2842772" y="3045136"/>
             <a:chExt cx="8473177" cy="3225343"/>
           </a:xfrm>
@@ -4022,6 +4023,839 @@
 </p:sld>
 </file>
 
+<file path=ppt/slides/slide3.xml><?xml version="1.0" encoding="utf-8"?>
+<p:sld xmlns:a="http://schemas.openxmlformats.org/drawingml/2006/main" xmlns:r="http://schemas.openxmlformats.org/officeDocument/2006/relationships" xmlns:p="http://schemas.openxmlformats.org/presentationml/2006/main">
+  <p:cSld>
+    <p:spTree>
+      <p:nvGrpSpPr>
+        <p:cNvPr id="1" name=""/>
+        <p:cNvGrpSpPr/>
+        <p:nvPr/>
+      </p:nvGrpSpPr>
+      <p:grpSpPr>
+        <a:xfrm>
+          <a:off x="0" y="0"/>
+          <a:ext cx="0" cy="0"/>
+          <a:chOff x="0" y="0"/>
+          <a:chExt cx="0" cy="0"/>
+        </a:xfrm>
+      </p:grpSpPr>
+      <p:grpSp>
+        <p:nvGrpSpPr>
+          <p:cNvPr id="17" name="Group 16"/>
+          <p:cNvGrpSpPr/>
+          <p:nvPr/>
+        </p:nvGrpSpPr>
+        <p:grpSpPr>
+          <a:xfrm>
+            <a:off x="3295114" y="1360261"/>
+            <a:ext cx="3677979" cy="1974105"/>
+            <a:chOff x="7969312" y="2635042"/>
+            <a:chExt cx="3677979" cy="1974105"/>
+          </a:xfrm>
+        </p:grpSpPr>
+        <p:grpSp>
+          <p:nvGrpSpPr>
+            <p:cNvPr id="18" name="Group 17"/>
+            <p:cNvGrpSpPr/>
+            <p:nvPr/>
+          </p:nvGrpSpPr>
+          <p:grpSpPr>
+            <a:xfrm>
+              <a:off x="8252600" y="2635042"/>
+              <a:ext cx="3394691" cy="1974105"/>
+              <a:chOff x="1723017" y="231555"/>
+              <a:chExt cx="5549155" cy="4024388"/>
+            </a:xfrm>
+          </p:grpSpPr>
+          <p:sp>
+            <p:nvSpPr>
+              <p:cNvPr id="25" name="Rectangle 24"/>
+              <p:cNvSpPr/>
+              <p:nvPr/>
+            </p:nvSpPr>
+            <p:spPr>
+              <a:xfrm>
+                <a:off x="3719459" y="2689411"/>
+                <a:ext cx="424927" cy="914400"/>
+              </a:xfrm>
+              <a:prstGeom prst="rect">
+                <a:avLst/>
+              </a:prstGeom>
+              <a:solidFill>
+                <a:srgbClr val="7FA2F1"/>
+              </a:solidFill>
+              <a:ln>
+                <a:noFill/>
+              </a:ln>
+              <a:effectLst/>
+              <a:scene3d>
+                <a:camera prst="orthographicFront">
+                  <a:rot lat="0" lon="0" rev="0"/>
+                </a:camera>
+                <a:lightRig rig="contrasting" dir="t">
+                  <a:rot lat="0" lon="0" rev="7800000"/>
+                </a:lightRig>
+              </a:scene3d>
+              <a:sp3d>
+                <a:bevelT w="139700" h="139700"/>
+              </a:sp3d>
+            </p:spPr>
+            <p:style>
+              <a:lnRef idx="2">
+                <a:schemeClr val="accent1">
+                  <a:shade val="50000"/>
+                </a:schemeClr>
+              </a:lnRef>
+              <a:fillRef idx="1">
+                <a:schemeClr val="accent1"/>
+              </a:fillRef>
+              <a:effectRef idx="0">
+                <a:schemeClr val="accent1"/>
+              </a:effectRef>
+              <a:fontRef idx="minor">
+                <a:schemeClr val="lt1"/>
+              </a:fontRef>
+            </p:style>
+            <p:txBody>
+              <a:bodyPr rtlCol="0" anchor="ctr"/>
+              <a:lstStyle/>
+              <a:p>
+                <a:pPr algn="ctr"/>
+                <a:endParaRPr lang="en-US" dirty="0">
+                  <a:solidFill>
+                    <a:schemeClr val="accent6">
+                      <a:lumMod val="40000"/>
+                      <a:lumOff val="60000"/>
+                    </a:schemeClr>
+                  </a:solidFill>
+                </a:endParaRPr>
+              </a:p>
+            </p:txBody>
+          </p:sp>
+          <p:sp>
+            <p:nvSpPr>
+              <p:cNvPr id="26" name="Rectangle 25"/>
+              <p:cNvSpPr/>
+              <p:nvPr/>
+            </p:nvSpPr>
+            <p:spPr>
+              <a:xfrm>
+                <a:off x="6122453" y="1775014"/>
+                <a:ext cx="424927" cy="1828800"/>
+              </a:xfrm>
+              <a:prstGeom prst="rect">
+                <a:avLst/>
+              </a:prstGeom>
+              <a:solidFill>
+                <a:srgbClr val="7FA2F1"/>
+              </a:solidFill>
+              <a:ln>
+                <a:noFill/>
+              </a:ln>
+              <a:effectLst/>
+              <a:scene3d>
+                <a:camera prst="orthographicFront">
+                  <a:rot lat="0" lon="0" rev="0"/>
+                </a:camera>
+                <a:lightRig rig="contrasting" dir="t">
+                  <a:rot lat="0" lon="0" rev="7800000"/>
+                </a:lightRig>
+              </a:scene3d>
+              <a:sp3d>
+                <a:bevelT w="139700" h="139700"/>
+              </a:sp3d>
+            </p:spPr>
+            <p:style>
+              <a:lnRef idx="2">
+                <a:schemeClr val="accent1">
+                  <a:shade val="50000"/>
+                </a:schemeClr>
+              </a:lnRef>
+              <a:fillRef idx="1">
+                <a:schemeClr val="accent1"/>
+              </a:fillRef>
+              <a:effectRef idx="0">
+                <a:schemeClr val="accent1"/>
+              </a:effectRef>
+              <a:fontRef idx="minor">
+                <a:schemeClr val="lt1"/>
+              </a:fontRef>
+            </p:style>
+            <p:txBody>
+              <a:bodyPr rtlCol="0" anchor="ctr"/>
+              <a:lstStyle/>
+              <a:p>
+                <a:pPr algn="ctr"/>
+                <a:endParaRPr lang="en-US">
+                  <a:solidFill>
+                    <a:schemeClr val="accent6">
+                      <a:lumMod val="40000"/>
+                      <a:lumOff val="60000"/>
+                    </a:schemeClr>
+                  </a:solidFill>
+                </a:endParaRPr>
+              </a:p>
+            </p:txBody>
+          </p:sp>
+          <p:sp>
+            <p:nvSpPr>
+              <p:cNvPr id="27" name="Rectangle 26"/>
+              <p:cNvSpPr/>
+              <p:nvPr/>
+            </p:nvSpPr>
+            <p:spPr>
+              <a:xfrm>
+                <a:off x="5321455" y="1780394"/>
+                <a:ext cx="424927" cy="1828800"/>
+              </a:xfrm>
+              <a:prstGeom prst="rect">
+                <a:avLst/>
+              </a:prstGeom>
+              <a:solidFill>
+                <a:srgbClr val="7FA2F1"/>
+              </a:solidFill>
+              <a:ln>
+                <a:noFill/>
+              </a:ln>
+              <a:effectLst/>
+              <a:scene3d>
+                <a:camera prst="orthographicFront">
+                  <a:rot lat="0" lon="0" rev="0"/>
+                </a:camera>
+                <a:lightRig rig="contrasting" dir="t">
+                  <a:rot lat="0" lon="0" rev="7800000"/>
+                </a:lightRig>
+              </a:scene3d>
+              <a:sp3d>
+                <a:bevelT w="139700" h="139700"/>
+              </a:sp3d>
+            </p:spPr>
+            <p:style>
+              <a:lnRef idx="2">
+                <a:schemeClr val="accent1">
+                  <a:shade val="50000"/>
+                </a:schemeClr>
+              </a:lnRef>
+              <a:fillRef idx="1">
+                <a:schemeClr val="accent1"/>
+              </a:fillRef>
+              <a:effectRef idx="0">
+                <a:schemeClr val="accent1"/>
+              </a:effectRef>
+              <a:fontRef idx="minor">
+                <a:schemeClr val="lt1"/>
+              </a:fontRef>
+            </p:style>
+            <p:txBody>
+              <a:bodyPr rtlCol="0" anchor="ctr"/>
+              <a:lstStyle/>
+              <a:p>
+                <a:pPr algn="ctr"/>
+                <a:endParaRPr lang="en-US">
+                  <a:solidFill>
+                    <a:schemeClr val="accent6">
+                      <a:lumMod val="40000"/>
+                      <a:lumOff val="60000"/>
+                    </a:schemeClr>
+                  </a:solidFill>
+                </a:endParaRPr>
+              </a:p>
+            </p:txBody>
+          </p:sp>
+          <p:sp>
+            <p:nvSpPr>
+              <p:cNvPr id="28" name="Rectangle 27"/>
+              <p:cNvSpPr/>
+              <p:nvPr/>
+            </p:nvSpPr>
+            <p:spPr>
+              <a:xfrm>
+                <a:off x="4520457" y="871371"/>
+                <a:ext cx="424927" cy="2743200"/>
+              </a:xfrm>
+              <a:prstGeom prst="rect">
+                <a:avLst/>
+              </a:prstGeom>
+              <a:solidFill>
+                <a:srgbClr val="7FA2F1"/>
+              </a:solidFill>
+              <a:ln>
+                <a:noFill/>
+              </a:ln>
+              <a:effectLst/>
+              <a:scene3d>
+                <a:camera prst="orthographicFront">
+                  <a:rot lat="0" lon="0" rev="0"/>
+                </a:camera>
+                <a:lightRig rig="contrasting" dir="t">
+                  <a:rot lat="0" lon="0" rev="7800000"/>
+                </a:lightRig>
+              </a:scene3d>
+              <a:sp3d>
+                <a:bevelT w="139700" h="139700"/>
+              </a:sp3d>
+            </p:spPr>
+            <p:style>
+              <a:lnRef idx="2">
+                <a:schemeClr val="accent1">
+                  <a:shade val="50000"/>
+                </a:schemeClr>
+              </a:lnRef>
+              <a:fillRef idx="1">
+                <a:schemeClr val="accent1"/>
+              </a:fillRef>
+              <a:effectRef idx="0">
+                <a:schemeClr val="accent1"/>
+              </a:effectRef>
+              <a:fontRef idx="minor">
+                <a:schemeClr val="lt1"/>
+              </a:fontRef>
+            </p:style>
+            <p:txBody>
+              <a:bodyPr rtlCol="0" anchor="ctr"/>
+              <a:lstStyle/>
+              <a:p>
+                <a:pPr algn="ctr"/>
+                <a:endParaRPr lang="en-US">
+                  <a:solidFill>
+                    <a:schemeClr val="accent6">
+                      <a:lumMod val="40000"/>
+                      <a:lumOff val="60000"/>
+                    </a:schemeClr>
+                  </a:solidFill>
+                </a:endParaRPr>
+              </a:p>
+            </p:txBody>
+          </p:sp>
+          <p:sp>
+            <p:nvSpPr>
+              <p:cNvPr id="29" name="Rectangle 28"/>
+              <p:cNvSpPr/>
+              <p:nvPr/>
+            </p:nvSpPr>
+            <p:spPr>
+              <a:xfrm>
+                <a:off x="2119258" y="2700171"/>
+                <a:ext cx="424927" cy="914400"/>
+              </a:xfrm>
+              <a:prstGeom prst="rect">
+                <a:avLst/>
+              </a:prstGeom>
+              <a:solidFill>
+                <a:srgbClr val="7FA2F1"/>
+              </a:solidFill>
+              <a:ln>
+                <a:noFill/>
+              </a:ln>
+              <a:effectLst/>
+              <a:scene3d>
+                <a:camera prst="orthographicFront">
+                  <a:rot lat="0" lon="0" rev="0"/>
+                </a:camera>
+                <a:lightRig rig="contrasting" dir="t">
+                  <a:rot lat="0" lon="0" rev="7800000"/>
+                </a:lightRig>
+              </a:scene3d>
+              <a:sp3d>
+                <a:bevelT w="139700" h="139700"/>
+              </a:sp3d>
+            </p:spPr>
+            <p:style>
+              <a:lnRef idx="2">
+                <a:schemeClr val="accent1">
+                  <a:shade val="50000"/>
+                </a:schemeClr>
+              </a:lnRef>
+              <a:fillRef idx="1">
+                <a:schemeClr val="accent1"/>
+              </a:fillRef>
+              <a:effectRef idx="0">
+                <a:schemeClr val="accent1"/>
+              </a:effectRef>
+              <a:fontRef idx="minor">
+                <a:schemeClr val="lt1"/>
+              </a:fontRef>
+            </p:style>
+            <p:txBody>
+              <a:bodyPr rtlCol="0" anchor="ctr"/>
+              <a:lstStyle/>
+              <a:p>
+                <a:pPr algn="ctr"/>
+                <a:endParaRPr lang="en-US">
+                  <a:solidFill>
+                    <a:schemeClr val="accent6">
+                      <a:lumMod val="40000"/>
+                      <a:lumOff val="60000"/>
+                    </a:schemeClr>
+                  </a:solidFill>
+                </a:endParaRPr>
+              </a:p>
+            </p:txBody>
+          </p:sp>
+          <p:sp>
+            <p:nvSpPr>
+              <p:cNvPr id="30" name="Rectangle 29"/>
+              <p:cNvSpPr/>
+              <p:nvPr/>
+            </p:nvSpPr>
+            <p:spPr>
+              <a:xfrm>
+                <a:off x="2920702" y="1780395"/>
+                <a:ext cx="424927" cy="1828800"/>
+              </a:xfrm>
+              <a:prstGeom prst="rect">
+                <a:avLst/>
+              </a:prstGeom>
+              <a:solidFill>
+                <a:srgbClr val="7FA2F1"/>
+              </a:solidFill>
+              <a:ln>
+                <a:noFill/>
+              </a:ln>
+              <a:effectLst/>
+              <a:scene3d>
+                <a:camera prst="orthographicFront">
+                  <a:rot lat="0" lon="0" rev="0"/>
+                </a:camera>
+                <a:lightRig rig="contrasting" dir="t">
+                  <a:rot lat="0" lon="0" rev="7800000"/>
+                </a:lightRig>
+              </a:scene3d>
+              <a:sp3d>
+                <a:bevelT w="139700" h="139700"/>
+              </a:sp3d>
+            </p:spPr>
+            <p:style>
+              <a:lnRef idx="2">
+                <a:schemeClr val="accent1">
+                  <a:shade val="50000"/>
+                </a:schemeClr>
+              </a:lnRef>
+              <a:fillRef idx="1">
+                <a:schemeClr val="accent1"/>
+              </a:fillRef>
+              <a:effectRef idx="0">
+                <a:schemeClr val="accent1"/>
+              </a:effectRef>
+              <a:fontRef idx="minor">
+                <a:schemeClr val="lt1"/>
+              </a:fontRef>
+            </p:style>
+            <p:txBody>
+              <a:bodyPr rtlCol="0" anchor="ctr"/>
+              <a:lstStyle/>
+              <a:p>
+                <a:pPr algn="ctr"/>
+                <a:endParaRPr lang="en-US" dirty="0">
+                  <a:solidFill>
+                    <a:schemeClr val="accent6">
+                      <a:lumMod val="40000"/>
+                      <a:lumOff val="60000"/>
+                    </a:schemeClr>
+                  </a:solidFill>
+                </a:endParaRPr>
+              </a:p>
+            </p:txBody>
+          </p:sp>
+          <p:cxnSp>
+            <p:nvCxnSpPr>
+              <p:cNvPr id="31" name="Straight Arrow Connector 30"/>
+              <p:cNvCxnSpPr/>
+              <p:nvPr/>
+            </p:nvCxnSpPr>
+            <p:spPr>
+              <a:xfrm flipV="1">
+                <a:off x="1796527" y="231555"/>
+                <a:ext cx="0" cy="3467268"/>
+              </a:xfrm>
+              <a:prstGeom prst="straightConnector1">
+                <a:avLst/>
+              </a:prstGeom>
+              <a:ln w="19050">
+                <a:solidFill>
+                  <a:schemeClr val="bg1"/>
+                </a:solidFill>
+                <a:tailEnd type="triangle"/>
+              </a:ln>
+            </p:spPr>
+            <p:style>
+              <a:lnRef idx="1">
+                <a:schemeClr val="accent1"/>
+              </a:lnRef>
+              <a:fillRef idx="0">
+                <a:schemeClr val="accent1"/>
+              </a:fillRef>
+              <a:effectRef idx="0">
+                <a:schemeClr val="accent1"/>
+              </a:effectRef>
+              <a:fontRef idx="minor">
+                <a:schemeClr val="tx1"/>
+              </a:fontRef>
+            </p:style>
+          </p:cxnSp>
+          <p:cxnSp>
+            <p:nvCxnSpPr>
+              <p:cNvPr id="32" name="Straight Arrow Connector 31"/>
+              <p:cNvCxnSpPr/>
+              <p:nvPr/>
+            </p:nvCxnSpPr>
+            <p:spPr>
+              <a:xfrm flipV="1">
+                <a:off x="1723017" y="3614569"/>
+                <a:ext cx="5549155" cy="0"/>
+              </a:xfrm>
+              <a:prstGeom prst="straightConnector1">
+                <a:avLst/>
+              </a:prstGeom>
+              <a:ln w="19050">
+                <a:solidFill>
+                  <a:schemeClr val="bg1"/>
+                </a:solidFill>
+                <a:tailEnd type="triangle"/>
+              </a:ln>
+            </p:spPr>
+            <p:style>
+              <a:lnRef idx="1">
+                <a:schemeClr val="accent1"/>
+              </a:lnRef>
+              <a:fillRef idx="0">
+                <a:schemeClr val="accent1"/>
+              </a:fillRef>
+              <a:effectRef idx="0">
+                <a:schemeClr val="accent1"/>
+              </a:effectRef>
+              <a:fontRef idx="minor">
+                <a:schemeClr val="tx1"/>
+              </a:fontRef>
+            </p:style>
+          </p:cxnSp>
+          <p:sp>
+            <p:nvSpPr>
+              <p:cNvPr id="33" name="TextBox 32"/>
+              <p:cNvSpPr txBox="1"/>
+              <p:nvPr/>
+            </p:nvSpPr>
+            <p:spPr>
+              <a:xfrm>
+                <a:off x="3919193" y="3652257"/>
+                <a:ext cx="1597604" cy="603686"/>
+              </a:xfrm>
+              <a:prstGeom prst="rect">
+                <a:avLst/>
+              </a:prstGeom>
+              <a:noFill/>
+            </p:spPr>
+            <p:txBody>
+              <a:bodyPr wrap="square" rtlCol="0">
+                <a:spAutoFit/>
+              </a:bodyPr>
+              <a:lstStyle/>
+              <a:p>
+                <a:r>
+                  <a:rPr lang="en-US" dirty="0" smtClean="0">
+                    <a:solidFill>
+                      <a:schemeClr val="bg1"/>
+                    </a:solidFill>
+                  </a:rPr>
+                  <a:t>Time</a:t>
+                </a:r>
+                <a:endParaRPr lang="en-US" dirty="0">
+                  <a:solidFill>
+                    <a:schemeClr val="bg1"/>
+                  </a:solidFill>
+                </a:endParaRPr>
+              </a:p>
+            </p:txBody>
+          </p:sp>
+        </p:grpSp>
+        <p:cxnSp>
+          <p:nvCxnSpPr>
+            <p:cNvPr id="19" name="Straight Connector 18"/>
+            <p:cNvCxnSpPr/>
+            <p:nvPr/>
+          </p:nvCxnSpPr>
+          <p:spPr>
+            <a:xfrm flipV="1">
+              <a:off x="8206130" y="3840707"/>
+              <a:ext cx="182880" cy="0"/>
+            </a:xfrm>
+            <a:prstGeom prst="line">
+              <a:avLst/>
+            </a:prstGeom>
+            <a:ln w="12700">
+              <a:solidFill>
+                <a:schemeClr val="bg1"/>
+              </a:solidFill>
+            </a:ln>
+          </p:spPr>
+          <p:style>
+            <a:lnRef idx="1">
+              <a:schemeClr val="accent1"/>
+            </a:lnRef>
+            <a:fillRef idx="0">
+              <a:schemeClr val="accent1"/>
+            </a:fillRef>
+            <a:effectRef idx="0">
+              <a:schemeClr val="accent1"/>
+            </a:effectRef>
+            <a:fontRef idx="minor">
+              <a:schemeClr val="tx1"/>
+            </a:fontRef>
+          </p:style>
+        </p:cxnSp>
+        <p:cxnSp>
+          <p:nvCxnSpPr>
+            <p:cNvPr id="20" name="Straight Connector 19"/>
+            <p:cNvCxnSpPr/>
+            <p:nvPr/>
+          </p:nvCxnSpPr>
+          <p:spPr>
+            <a:xfrm flipV="1">
+              <a:off x="8198650" y="3390564"/>
+              <a:ext cx="182880" cy="0"/>
+            </a:xfrm>
+            <a:prstGeom prst="line">
+              <a:avLst/>
+            </a:prstGeom>
+            <a:ln w="12700">
+              <a:solidFill>
+                <a:schemeClr val="bg1"/>
+              </a:solidFill>
+            </a:ln>
+          </p:spPr>
+          <p:style>
+            <a:lnRef idx="1">
+              <a:schemeClr val="accent1"/>
+            </a:lnRef>
+            <a:fillRef idx="0">
+              <a:schemeClr val="accent1"/>
+            </a:fillRef>
+            <a:effectRef idx="0">
+              <a:schemeClr val="accent1"/>
+            </a:effectRef>
+            <a:fontRef idx="minor">
+              <a:schemeClr val="tx1"/>
+            </a:fontRef>
+          </p:style>
+        </p:cxnSp>
+        <p:cxnSp>
+          <p:nvCxnSpPr>
+            <p:cNvPr id="21" name="Straight Connector 20"/>
+            <p:cNvCxnSpPr/>
+            <p:nvPr/>
+          </p:nvCxnSpPr>
+          <p:spPr>
+            <a:xfrm flipV="1">
+              <a:off x="8204029" y="2940156"/>
+              <a:ext cx="182880" cy="0"/>
+            </a:xfrm>
+            <a:prstGeom prst="line">
+              <a:avLst/>
+            </a:prstGeom>
+            <a:ln w="12700">
+              <a:solidFill>
+                <a:schemeClr val="bg1"/>
+              </a:solidFill>
+            </a:ln>
+          </p:spPr>
+          <p:style>
+            <a:lnRef idx="1">
+              <a:schemeClr val="accent1"/>
+            </a:lnRef>
+            <a:fillRef idx="0">
+              <a:schemeClr val="accent1"/>
+            </a:fillRef>
+            <a:effectRef idx="0">
+              <a:schemeClr val="accent1"/>
+            </a:effectRef>
+            <a:fontRef idx="minor">
+              <a:schemeClr val="tx1"/>
+            </a:fontRef>
+          </p:style>
+        </p:cxnSp>
+        <p:sp>
+          <p:nvSpPr>
+            <p:cNvPr id="22" name="Oval 21"/>
+            <p:cNvSpPr/>
+            <p:nvPr/>
+          </p:nvSpPr>
+          <p:spPr>
+            <a:xfrm>
+              <a:off x="7973790" y="2802996"/>
+              <a:ext cx="274320" cy="274320"/>
+            </a:xfrm>
+            <a:prstGeom prst="ellipse">
+              <a:avLst/>
+            </a:prstGeom>
+            <a:blipFill dpi="0" rotWithShape="1">
+              <a:blip r:embed="rId2" cstate="print">
+                <a:extLst>
+                  <a:ext uri="{28A0092B-C50C-407E-A947-70E740481C1C}">
+                    <a14:useLocalDpi xmlns:a14="http://schemas.microsoft.com/office/drawing/2010/main" val="0"/>
+                  </a:ext>
+                </a:extLst>
+              </a:blip>
+              <a:srcRect/>
+              <a:stretch>
+                <a:fillRect/>
+              </a:stretch>
+            </a:blipFill>
+            <a:ln>
+              <a:noFill/>
+            </a:ln>
+          </p:spPr>
+          <p:style>
+            <a:lnRef idx="2">
+              <a:schemeClr val="accent1">
+                <a:shade val="50000"/>
+              </a:schemeClr>
+            </a:lnRef>
+            <a:fillRef idx="1">
+              <a:schemeClr val="accent1"/>
+            </a:fillRef>
+            <a:effectRef idx="0">
+              <a:schemeClr val="accent1"/>
+            </a:effectRef>
+            <a:fontRef idx="minor">
+              <a:schemeClr val="lt1"/>
+            </a:fontRef>
+          </p:style>
+          <p:txBody>
+            <a:bodyPr rtlCol="0" anchor="ctr"/>
+            <a:lstStyle/>
+            <a:p>
+              <a:pPr algn="ctr"/>
+              <a:endParaRPr lang="en-US"/>
+            </a:p>
+          </p:txBody>
+        </p:sp>
+        <p:sp>
+          <p:nvSpPr>
+            <p:cNvPr id="23" name="Oval 22"/>
+            <p:cNvSpPr/>
+            <p:nvPr/>
+          </p:nvSpPr>
+          <p:spPr>
+            <a:xfrm>
+              <a:off x="7969312" y="3243405"/>
+              <a:ext cx="274320" cy="274320"/>
+            </a:xfrm>
+            <a:prstGeom prst="ellipse">
+              <a:avLst/>
+            </a:prstGeom>
+            <a:blipFill dpi="0" rotWithShape="1">
+              <a:blip r:embed="rId3" cstate="print">
+                <a:extLst>
+                  <a:ext uri="{28A0092B-C50C-407E-A947-70E740481C1C}">
+                    <a14:useLocalDpi xmlns:a14="http://schemas.microsoft.com/office/drawing/2010/main" val="0"/>
+                  </a:ext>
+                </a:extLst>
+              </a:blip>
+              <a:srcRect/>
+              <a:stretch>
+                <a:fillRect/>
+              </a:stretch>
+            </a:blipFill>
+            <a:ln>
+              <a:noFill/>
+            </a:ln>
+          </p:spPr>
+          <p:style>
+            <a:lnRef idx="2">
+              <a:schemeClr val="accent1">
+                <a:shade val="50000"/>
+              </a:schemeClr>
+            </a:lnRef>
+            <a:fillRef idx="1">
+              <a:schemeClr val="accent1"/>
+            </a:fillRef>
+            <a:effectRef idx="0">
+              <a:schemeClr val="accent1"/>
+            </a:effectRef>
+            <a:fontRef idx="minor">
+              <a:schemeClr val="lt1"/>
+            </a:fontRef>
+          </p:style>
+          <p:txBody>
+            <a:bodyPr rtlCol="0" anchor="ctr"/>
+            <a:lstStyle/>
+            <a:p>
+              <a:pPr algn="ctr"/>
+              <a:endParaRPr lang="en-US"/>
+            </a:p>
+          </p:txBody>
+        </p:sp>
+        <p:sp>
+          <p:nvSpPr>
+            <p:cNvPr id="24" name="Oval 23"/>
+            <p:cNvSpPr/>
+            <p:nvPr/>
+          </p:nvSpPr>
+          <p:spPr>
+            <a:xfrm>
+              <a:off x="7977530" y="3698391"/>
+              <a:ext cx="274320" cy="274320"/>
+            </a:xfrm>
+            <a:prstGeom prst="ellipse">
+              <a:avLst/>
+            </a:prstGeom>
+            <a:blipFill dpi="0" rotWithShape="1">
+              <a:blip r:embed="rId4" cstate="print">
+                <a:extLst>
+                  <a:ext uri="{28A0092B-C50C-407E-A947-70E740481C1C}">
+                    <a14:useLocalDpi xmlns:a14="http://schemas.microsoft.com/office/drawing/2010/main" val="0"/>
+                  </a:ext>
+                </a:extLst>
+              </a:blip>
+              <a:srcRect/>
+              <a:stretch>
+                <a:fillRect/>
+              </a:stretch>
+            </a:blipFill>
+            <a:ln>
+              <a:noFill/>
+            </a:ln>
+          </p:spPr>
+          <p:style>
+            <a:lnRef idx="2">
+              <a:schemeClr val="accent1">
+                <a:shade val="50000"/>
+              </a:schemeClr>
+            </a:lnRef>
+            <a:fillRef idx="1">
+              <a:schemeClr val="accent1"/>
+            </a:fillRef>
+            <a:effectRef idx="0">
+              <a:schemeClr val="accent1"/>
+            </a:effectRef>
+            <a:fontRef idx="minor">
+              <a:schemeClr val="lt1"/>
+            </a:fontRef>
+          </p:style>
+          <p:txBody>
+            <a:bodyPr rtlCol="0" anchor="ctr"/>
+            <a:lstStyle/>
+            <a:p>
+              <a:pPr algn="ctr"/>
+              <a:endParaRPr lang="en-US"/>
+            </a:p>
+          </p:txBody>
+        </p:sp>
+      </p:grpSp>
+    </p:spTree>
+    <p:extLst>
+      <p:ext uri="{BB962C8B-B14F-4D97-AF65-F5344CB8AC3E}">
+        <p14:creationId xmlns:p14="http://schemas.microsoft.com/office/powerpoint/2010/main" val="3522059627"/>
+      </p:ext>
+    </p:extLst>
+  </p:cSld>
+  <p:clrMapOvr>
+    <a:masterClrMapping/>
+  </p:clrMapOvr>
+</p:sld>
+</file>
+
 <file path=ppt/theme/theme1.xml><?xml version="1.0" encoding="utf-8"?>
 <a:theme xmlns:a="http://schemas.openxmlformats.org/drawingml/2006/main" name="Office Theme">
   <a:themeElements>

--- a/HappyMemories/Presentation/TellMe.pptx
+++ b/HappyMemories/Presentation/TellMe.pptx
@@ -4000,6 +4000,603 @@
               <a:buChar char="•"/>
             </a:pPr>
             <a:endParaRPr lang="en-US" dirty="0"/>
+          </a:p>
+        </p:txBody>
+      </p:sp>
+      <p:grpSp>
+        <p:nvGrpSpPr>
+          <p:cNvPr id="11" name="Group 10"/>
+          <p:cNvGrpSpPr/>
+          <p:nvPr/>
+        </p:nvGrpSpPr>
+        <p:grpSpPr>
+          <a:xfrm>
+            <a:off x="1113417" y="4367607"/>
+            <a:ext cx="914400" cy="914400"/>
+            <a:chOff x="1323191" y="4023360"/>
+            <a:chExt cx="914400" cy="914400"/>
+          </a:xfrm>
+        </p:grpSpPr>
+        <p:sp>
+          <p:nvSpPr>
+            <p:cNvPr id="7" name="Oval 6"/>
+            <p:cNvSpPr/>
+            <p:nvPr/>
+          </p:nvSpPr>
+          <p:spPr>
+            <a:xfrm>
+              <a:off x="1323191" y="4023360"/>
+              <a:ext cx="914400" cy="914400"/>
+            </a:xfrm>
+            <a:prstGeom prst="ellipse">
+              <a:avLst/>
+            </a:prstGeom>
+            <a:solidFill>
+              <a:srgbClr val="FF0000"/>
+            </a:solidFill>
+            <a:ln>
+              <a:noFill/>
+            </a:ln>
+          </p:spPr>
+          <p:style>
+            <a:lnRef idx="2">
+              <a:schemeClr val="accent1">
+                <a:shade val="50000"/>
+              </a:schemeClr>
+            </a:lnRef>
+            <a:fillRef idx="1">
+              <a:schemeClr val="accent1"/>
+            </a:fillRef>
+            <a:effectRef idx="0">
+              <a:schemeClr val="accent1"/>
+            </a:effectRef>
+            <a:fontRef idx="minor">
+              <a:schemeClr val="lt1"/>
+            </a:fontRef>
+          </p:style>
+          <p:txBody>
+            <a:bodyPr rtlCol="0" anchor="ctr"/>
+            <a:lstStyle/>
+            <a:p>
+              <a:pPr algn="ctr"/>
+              <a:endParaRPr lang="en-US"/>
+            </a:p>
+          </p:txBody>
+        </p:sp>
+        <p:sp>
+          <p:nvSpPr>
+            <p:cNvPr id="8" name="Oval 7"/>
+            <p:cNvSpPr/>
+            <p:nvPr/>
+          </p:nvSpPr>
+          <p:spPr>
+            <a:xfrm>
+              <a:off x="1592131" y="4249273"/>
+              <a:ext cx="69925" cy="236668"/>
+            </a:xfrm>
+            <a:prstGeom prst="ellipse">
+              <a:avLst/>
+            </a:prstGeom>
+            <a:solidFill>
+              <a:schemeClr val="bg1"/>
+            </a:solidFill>
+            <a:ln>
+              <a:noFill/>
+            </a:ln>
+          </p:spPr>
+          <p:style>
+            <a:lnRef idx="2">
+              <a:schemeClr val="accent1">
+                <a:shade val="50000"/>
+              </a:schemeClr>
+            </a:lnRef>
+            <a:fillRef idx="1">
+              <a:schemeClr val="accent1"/>
+            </a:fillRef>
+            <a:effectRef idx="0">
+              <a:schemeClr val="accent1"/>
+            </a:effectRef>
+            <a:fontRef idx="minor">
+              <a:schemeClr val="lt1"/>
+            </a:fontRef>
+          </p:style>
+          <p:txBody>
+            <a:bodyPr rtlCol="0" anchor="ctr"/>
+            <a:lstStyle/>
+            <a:p>
+              <a:pPr algn="ctr"/>
+              <a:endParaRPr lang="en-US"/>
+            </a:p>
+          </p:txBody>
+        </p:sp>
+        <p:sp>
+          <p:nvSpPr>
+            <p:cNvPr id="9" name="Oval 8"/>
+            <p:cNvSpPr/>
+            <p:nvPr/>
+          </p:nvSpPr>
+          <p:spPr>
+            <a:xfrm>
+              <a:off x="1922929" y="4249273"/>
+              <a:ext cx="69925" cy="236668"/>
+            </a:xfrm>
+            <a:prstGeom prst="ellipse">
+              <a:avLst/>
+            </a:prstGeom>
+            <a:solidFill>
+              <a:schemeClr val="bg1"/>
+            </a:solidFill>
+            <a:ln>
+              <a:noFill/>
+            </a:ln>
+          </p:spPr>
+          <p:style>
+            <a:lnRef idx="2">
+              <a:schemeClr val="accent1">
+                <a:shade val="50000"/>
+              </a:schemeClr>
+            </a:lnRef>
+            <a:fillRef idx="1">
+              <a:schemeClr val="accent1"/>
+            </a:fillRef>
+            <a:effectRef idx="0">
+              <a:schemeClr val="accent1"/>
+            </a:effectRef>
+            <a:fontRef idx="minor">
+              <a:schemeClr val="lt1"/>
+            </a:fontRef>
+          </p:style>
+          <p:txBody>
+            <a:bodyPr rtlCol="0" anchor="ctr"/>
+            <a:lstStyle/>
+            <a:p>
+              <a:pPr algn="ctr"/>
+              <a:endParaRPr lang="en-US"/>
+            </a:p>
+          </p:txBody>
+        </p:sp>
+      </p:grpSp>
+      <p:grpSp>
+        <p:nvGrpSpPr>
+          <p:cNvPr id="12" name="Group 11"/>
+          <p:cNvGrpSpPr/>
+          <p:nvPr/>
+        </p:nvGrpSpPr>
+        <p:grpSpPr>
+          <a:xfrm>
+            <a:off x="2680448" y="4023360"/>
+            <a:ext cx="914400" cy="914400"/>
+            <a:chOff x="1323191" y="4023360"/>
+            <a:chExt cx="914400" cy="914400"/>
+          </a:xfrm>
+        </p:grpSpPr>
+        <p:sp>
+          <p:nvSpPr>
+            <p:cNvPr id="13" name="Oval 12"/>
+            <p:cNvSpPr/>
+            <p:nvPr/>
+          </p:nvSpPr>
+          <p:spPr>
+            <a:xfrm>
+              <a:off x="1323191" y="4023360"/>
+              <a:ext cx="914400" cy="914400"/>
+            </a:xfrm>
+            <a:prstGeom prst="ellipse">
+              <a:avLst/>
+            </a:prstGeom>
+            <a:solidFill>
+              <a:schemeClr val="accent4"/>
+            </a:solidFill>
+            <a:ln>
+              <a:noFill/>
+            </a:ln>
+          </p:spPr>
+          <p:style>
+            <a:lnRef idx="2">
+              <a:schemeClr val="accent1">
+                <a:shade val="50000"/>
+              </a:schemeClr>
+            </a:lnRef>
+            <a:fillRef idx="1">
+              <a:schemeClr val="accent1"/>
+            </a:fillRef>
+            <a:effectRef idx="0">
+              <a:schemeClr val="accent1"/>
+            </a:effectRef>
+            <a:fontRef idx="minor">
+              <a:schemeClr val="lt1"/>
+            </a:fontRef>
+          </p:style>
+          <p:txBody>
+            <a:bodyPr rtlCol="0" anchor="ctr"/>
+            <a:lstStyle/>
+            <a:p>
+              <a:pPr algn="ctr"/>
+              <a:endParaRPr lang="en-US"/>
+            </a:p>
+          </p:txBody>
+        </p:sp>
+        <p:sp>
+          <p:nvSpPr>
+            <p:cNvPr id="14" name="Oval 13"/>
+            <p:cNvSpPr/>
+            <p:nvPr/>
+          </p:nvSpPr>
+          <p:spPr>
+            <a:xfrm>
+              <a:off x="1592131" y="4249273"/>
+              <a:ext cx="69925" cy="236668"/>
+            </a:xfrm>
+            <a:prstGeom prst="ellipse">
+              <a:avLst/>
+            </a:prstGeom>
+            <a:solidFill>
+              <a:schemeClr val="bg1"/>
+            </a:solidFill>
+            <a:ln>
+              <a:noFill/>
+            </a:ln>
+          </p:spPr>
+          <p:style>
+            <a:lnRef idx="2">
+              <a:schemeClr val="accent1">
+                <a:shade val="50000"/>
+              </a:schemeClr>
+            </a:lnRef>
+            <a:fillRef idx="1">
+              <a:schemeClr val="accent1"/>
+            </a:fillRef>
+            <a:effectRef idx="0">
+              <a:schemeClr val="accent1"/>
+            </a:effectRef>
+            <a:fontRef idx="minor">
+              <a:schemeClr val="lt1"/>
+            </a:fontRef>
+          </p:style>
+          <p:txBody>
+            <a:bodyPr rtlCol="0" anchor="ctr"/>
+            <a:lstStyle/>
+            <a:p>
+              <a:pPr algn="ctr"/>
+              <a:endParaRPr lang="en-US"/>
+            </a:p>
+          </p:txBody>
+        </p:sp>
+        <p:sp>
+          <p:nvSpPr>
+            <p:cNvPr id="15" name="Oval 14"/>
+            <p:cNvSpPr/>
+            <p:nvPr/>
+          </p:nvSpPr>
+          <p:spPr>
+            <a:xfrm>
+              <a:off x="1922929" y="4249273"/>
+              <a:ext cx="69925" cy="236668"/>
+            </a:xfrm>
+            <a:prstGeom prst="ellipse">
+              <a:avLst/>
+            </a:prstGeom>
+            <a:solidFill>
+              <a:schemeClr val="bg1"/>
+            </a:solidFill>
+            <a:ln>
+              <a:noFill/>
+            </a:ln>
+          </p:spPr>
+          <p:style>
+            <a:lnRef idx="2">
+              <a:schemeClr val="accent1">
+                <a:shade val="50000"/>
+              </a:schemeClr>
+            </a:lnRef>
+            <a:fillRef idx="1">
+              <a:schemeClr val="accent1"/>
+            </a:fillRef>
+            <a:effectRef idx="0">
+              <a:schemeClr val="accent1"/>
+            </a:effectRef>
+            <a:fontRef idx="minor">
+              <a:schemeClr val="lt1"/>
+            </a:fontRef>
+          </p:style>
+          <p:txBody>
+            <a:bodyPr rtlCol="0" anchor="ctr"/>
+            <a:lstStyle/>
+            <a:p>
+              <a:pPr algn="ctr"/>
+              <a:endParaRPr lang="en-US"/>
+            </a:p>
+          </p:txBody>
+        </p:sp>
+        <p:sp>
+          <p:nvSpPr>
+            <p:cNvPr id="16" name="Arc 15"/>
+            <p:cNvSpPr/>
+            <p:nvPr/>
+          </p:nvSpPr>
+          <p:spPr>
+            <a:xfrm rot="16200000">
+              <a:off x="1741575" y="4480733"/>
+              <a:ext cx="77631" cy="496843"/>
+            </a:xfrm>
+            <a:prstGeom prst="arc">
+              <a:avLst>
+                <a:gd name="adj1" fmla="val 16909811"/>
+                <a:gd name="adj2" fmla="val 4960411"/>
+              </a:avLst>
+            </a:prstGeom>
+            <a:ln w="38100">
+              <a:solidFill>
+                <a:schemeClr val="bg1"/>
+              </a:solidFill>
+            </a:ln>
+          </p:spPr>
+          <p:style>
+            <a:lnRef idx="1">
+              <a:schemeClr val="accent1"/>
+            </a:lnRef>
+            <a:fillRef idx="0">
+              <a:schemeClr val="accent1"/>
+            </a:fillRef>
+            <a:effectRef idx="0">
+              <a:schemeClr val="accent1"/>
+            </a:effectRef>
+            <a:fontRef idx="minor">
+              <a:schemeClr val="tx1"/>
+            </a:fontRef>
+          </p:style>
+          <p:txBody>
+            <a:bodyPr rtlCol="0" anchor="ctr"/>
+            <a:lstStyle/>
+            <a:p>
+              <a:pPr algn="ctr"/>
+              <a:endParaRPr lang="en-US"/>
+            </a:p>
+          </p:txBody>
+        </p:sp>
+      </p:grpSp>
+      <p:grpSp>
+        <p:nvGrpSpPr>
+          <p:cNvPr id="17" name="Group 16"/>
+          <p:cNvGrpSpPr/>
+          <p:nvPr/>
+        </p:nvGrpSpPr>
+        <p:grpSpPr>
+          <a:xfrm>
+            <a:off x="3803626" y="4023360"/>
+            <a:ext cx="914400" cy="914400"/>
+            <a:chOff x="1323191" y="4023360"/>
+            <a:chExt cx="914400" cy="914400"/>
+          </a:xfrm>
+        </p:grpSpPr>
+        <p:sp>
+          <p:nvSpPr>
+            <p:cNvPr id="18" name="Oval 17"/>
+            <p:cNvSpPr/>
+            <p:nvPr/>
+          </p:nvSpPr>
+          <p:spPr>
+            <a:xfrm>
+              <a:off x="1323191" y="4023360"/>
+              <a:ext cx="914400" cy="914400"/>
+            </a:xfrm>
+            <a:prstGeom prst="ellipse">
+              <a:avLst/>
+            </a:prstGeom>
+            <a:solidFill>
+              <a:schemeClr val="accent6"/>
+            </a:solidFill>
+            <a:ln>
+              <a:noFill/>
+            </a:ln>
+          </p:spPr>
+          <p:style>
+            <a:lnRef idx="2">
+              <a:schemeClr val="accent1">
+                <a:shade val="50000"/>
+              </a:schemeClr>
+            </a:lnRef>
+            <a:fillRef idx="1">
+              <a:schemeClr val="accent1"/>
+            </a:fillRef>
+            <a:effectRef idx="0">
+              <a:schemeClr val="accent1"/>
+            </a:effectRef>
+            <a:fontRef idx="minor">
+              <a:schemeClr val="lt1"/>
+            </a:fontRef>
+          </p:style>
+          <p:txBody>
+            <a:bodyPr rtlCol="0" anchor="ctr"/>
+            <a:lstStyle/>
+            <a:p>
+              <a:pPr algn="ctr"/>
+              <a:endParaRPr lang="en-US"/>
+            </a:p>
+          </p:txBody>
+        </p:sp>
+        <p:sp>
+          <p:nvSpPr>
+            <p:cNvPr id="19" name="Oval 18"/>
+            <p:cNvSpPr/>
+            <p:nvPr/>
+          </p:nvSpPr>
+          <p:spPr>
+            <a:xfrm>
+              <a:off x="1592131" y="4249273"/>
+              <a:ext cx="69925" cy="236668"/>
+            </a:xfrm>
+            <a:prstGeom prst="ellipse">
+              <a:avLst/>
+            </a:prstGeom>
+            <a:solidFill>
+              <a:schemeClr val="bg1"/>
+            </a:solidFill>
+            <a:ln>
+              <a:noFill/>
+            </a:ln>
+          </p:spPr>
+          <p:style>
+            <a:lnRef idx="2">
+              <a:schemeClr val="accent1">
+                <a:shade val="50000"/>
+              </a:schemeClr>
+            </a:lnRef>
+            <a:fillRef idx="1">
+              <a:schemeClr val="accent1"/>
+            </a:fillRef>
+            <a:effectRef idx="0">
+              <a:schemeClr val="accent1"/>
+            </a:effectRef>
+            <a:fontRef idx="minor">
+              <a:schemeClr val="lt1"/>
+            </a:fontRef>
+          </p:style>
+          <p:txBody>
+            <a:bodyPr rtlCol="0" anchor="ctr"/>
+            <a:lstStyle/>
+            <a:p>
+              <a:pPr algn="ctr"/>
+              <a:endParaRPr lang="en-US"/>
+            </a:p>
+          </p:txBody>
+        </p:sp>
+        <p:sp>
+          <p:nvSpPr>
+            <p:cNvPr id="20" name="Oval 19"/>
+            <p:cNvSpPr/>
+            <p:nvPr/>
+          </p:nvSpPr>
+          <p:spPr>
+            <a:xfrm>
+              <a:off x="1922929" y="4249273"/>
+              <a:ext cx="69925" cy="236668"/>
+            </a:xfrm>
+            <a:prstGeom prst="ellipse">
+              <a:avLst/>
+            </a:prstGeom>
+            <a:solidFill>
+              <a:schemeClr val="bg1"/>
+            </a:solidFill>
+            <a:ln>
+              <a:noFill/>
+            </a:ln>
+          </p:spPr>
+          <p:style>
+            <a:lnRef idx="2">
+              <a:schemeClr val="accent1">
+                <a:shade val="50000"/>
+              </a:schemeClr>
+            </a:lnRef>
+            <a:fillRef idx="1">
+              <a:schemeClr val="accent1"/>
+            </a:fillRef>
+            <a:effectRef idx="0">
+              <a:schemeClr val="accent1"/>
+            </a:effectRef>
+            <a:fontRef idx="minor">
+              <a:schemeClr val="lt1"/>
+            </a:fontRef>
+          </p:style>
+          <p:txBody>
+            <a:bodyPr rtlCol="0" anchor="ctr"/>
+            <a:lstStyle/>
+            <a:p>
+              <a:pPr algn="ctr"/>
+              <a:endParaRPr lang="en-US"/>
+            </a:p>
+          </p:txBody>
+        </p:sp>
+        <p:sp>
+          <p:nvSpPr>
+            <p:cNvPr id="21" name="Arc 20"/>
+            <p:cNvSpPr/>
+            <p:nvPr/>
+          </p:nvSpPr>
+          <p:spPr>
+            <a:xfrm rot="5400000" flipV="1">
+              <a:off x="1656680" y="4395838"/>
+              <a:ext cx="247421" cy="496843"/>
+            </a:xfrm>
+            <a:prstGeom prst="arc">
+              <a:avLst>
+                <a:gd name="adj1" fmla="val 16909811"/>
+                <a:gd name="adj2" fmla="val 4960411"/>
+              </a:avLst>
+            </a:prstGeom>
+            <a:ln w="38100">
+              <a:solidFill>
+                <a:schemeClr val="bg1"/>
+              </a:solidFill>
+            </a:ln>
+          </p:spPr>
+          <p:style>
+            <a:lnRef idx="1">
+              <a:schemeClr val="accent1"/>
+            </a:lnRef>
+            <a:fillRef idx="0">
+              <a:schemeClr val="accent1"/>
+            </a:fillRef>
+            <a:effectRef idx="0">
+              <a:schemeClr val="accent1"/>
+            </a:effectRef>
+            <a:fontRef idx="minor">
+              <a:schemeClr val="tx1"/>
+            </a:fontRef>
+          </p:style>
+          <p:txBody>
+            <a:bodyPr rtlCol="0" anchor="ctr"/>
+            <a:lstStyle/>
+            <a:p>
+              <a:pPr algn="ctr"/>
+              <a:endParaRPr lang="en-US"/>
+            </a:p>
+          </p:txBody>
+        </p:sp>
+      </p:grpSp>
+      <p:sp>
+        <p:nvSpPr>
+          <p:cNvPr id="22" name="Arc 21"/>
+          <p:cNvSpPr/>
+          <p:nvPr/>
+        </p:nvSpPr>
+        <p:spPr>
+          <a:xfrm rot="16200000">
+            <a:off x="1445910" y="4892574"/>
+            <a:ext cx="247421" cy="496843"/>
+          </a:xfrm>
+          <a:prstGeom prst="arc">
+            <a:avLst>
+              <a:gd name="adj1" fmla="val 16909811"/>
+              <a:gd name="adj2" fmla="val 4960411"/>
+            </a:avLst>
+          </a:prstGeom>
+          <a:ln w="38100">
+            <a:solidFill>
+              <a:schemeClr val="bg1"/>
+            </a:solidFill>
+          </a:ln>
+        </p:spPr>
+        <p:style>
+          <a:lnRef idx="1">
+            <a:schemeClr val="accent1"/>
+          </a:lnRef>
+          <a:fillRef idx="0">
+            <a:schemeClr val="accent1"/>
+          </a:fillRef>
+          <a:effectRef idx="0">
+            <a:schemeClr val="accent1"/>
+          </a:effectRef>
+          <a:fontRef idx="minor">
+            <a:schemeClr val="tx1"/>
+          </a:fontRef>
+        </p:style>
+        <p:txBody>
+          <a:bodyPr rtlCol="0" anchor="ctr"/>
+          <a:lstStyle/>
+          <a:p>
+            <a:pPr algn="ctr"/>
+            <a:endParaRPr lang="en-US"/>
           </a:p>
         </p:txBody>
       </p:sp>

--- a/HappyMemories/Presentation/TellMe.pptx
+++ b/HappyMemories/Presentation/TellMe.pptx
@@ -8,6 +8,7 @@
     <p:sldId id="256" r:id="rId2"/>
     <p:sldId id="257" r:id="rId3"/>
     <p:sldId id="258" r:id="rId4"/>
+    <p:sldId id="259" r:id="rId5"/>
   </p:sldIdLst>
   <p:sldSz cx="12192000" cy="6858000"/>
   <p:notesSz cx="6858000" cy="9144000"/>
@@ -3042,7 +3043,7 @@
         </p:nvGrpSpPr>
         <p:grpSpPr>
           <a:xfrm>
-            <a:off x="2520475" y="2122903"/>
+            <a:off x="2800174" y="2144418"/>
             <a:ext cx="6997279" cy="2718039"/>
             <a:chOff x="2842772" y="3045136"/>
             <a:chExt cx="8473177" cy="3225343"/>
@@ -3815,8 +3816,89 @@
                   </a:outerShdw>
                 </a:effectLst>
               </a:rPr>
-              <a:t>” – The intelligent diary</a:t>
-            </a:r>
+              <a:t>” – The </a:t>
+            </a:r>
+            <a:r>
+              <a:rPr lang="en-US" sz="3200" b="1" dirty="0" smtClean="0">
+                <a:ln w="10160">
+                  <a:solidFill>
+                    <a:schemeClr val="bg1"/>
+                  </a:solidFill>
+                  <a:prstDash val="solid"/>
+                </a:ln>
+                <a:solidFill>
+                  <a:srgbClr val="FFFFFF"/>
+                </a:solidFill>
+                <a:effectLst>
+                  <a:outerShdw blurRad="38100" dist="22860" dir="5400000" algn="tl" rotWithShape="0">
+                    <a:srgbClr val="000000">
+                      <a:alpha val="30000"/>
+                    </a:srgbClr>
+                  </a:outerShdw>
+                </a:effectLst>
+              </a:rPr>
+              <a:t>Intelligent </a:t>
+            </a:r>
+            <a:r>
+              <a:rPr lang="en-US" sz="3200" b="1" dirty="0">
+                <a:ln w="10160">
+                  <a:solidFill>
+                    <a:schemeClr val="bg1"/>
+                  </a:solidFill>
+                  <a:prstDash val="solid"/>
+                </a:ln>
+                <a:solidFill>
+                  <a:srgbClr val="FFFFFF"/>
+                </a:solidFill>
+                <a:effectLst>
+                  <a:outerShdw blurRad="38100" dist="22860" dir="5400000" algn="tl" rotWithShape="0">
+                    <a:srgbClr val="000000">
+                      <a:alpha val="30000"/>
+                    </a:srgbClr>
+                  </a:outerShdw>
+                </a:effectLst>
+              </a:rPr>
+              <a:t>D</a:t>
+            </a:r>
+            <a:r>
+              <a:rPr lang="en-US" sz="3200" b="1" dirty="0" smtClean="0">
+                <a:ln w="10160">
+                  <a:solidFill>
+                    <a:schemeClr val="bg1"/>
+                  </a:solidFill>
+                  <a:prstDash val="solid"/>
+                </a:ln>
+                <a:solidFill>
+                  <a:srgbClr val="FFFFFF"/>
+                </a:solidFill>
+                <a:effectLst>
+                  <a:outerShdw blurRad="38100" dist="22860" dir="5400000" algn="tl" rotWithShape="0">
+                    <a:srgbClr val="000000">
+                      <a:alpha val="30000"/>
+                    </a:srgbClr>
+                  </a:outerShdw>
+                </a:effectLst>
+              </a:rPr>
+              <a:t>iary</a:t>
+            </a:r>
+            <a:endParaRPr lang="en-US" sz="3200" b="1" dirty="0">
+              <a:ln w="10160">
+                <a:solidFill>
+                  <a:schemeClr val="bg1"/>
+                </a:solidFill>
+                <a:prstDash val="solid"/>
+              </a:ln>
+              <a:solidFill>
+                <a:srgbClr val="FFFFFF"/>
+              </a:solidFill>
+              <a:effectLst>
+                <a:outerShdw blurRad="38100" dist="22860" dir="5400000" algn="tl" rotWithShape="0">
+                  <a:srgbClr val="000000">
+                    <a:alpha val="30000"/>
+                  </a:srgbClr>
+                </a:outerShdw>
+              </a:effectLst>
+            </a:endParaRPr>
           </a:p>
           <a:p>
             <a:endParaRPr lang="en-US" dirty="0">
@@ -4003,159 +4085,6 @@
           </a:p>
         </p:txBody>
       </p:sp>
-      <p:grpSp>
-        <p:nvGrpSpPr>
-          <p:cNvPr id="11" name="Group 10"/>
-          <p:cNvGrpSpPr/>
-          <p:nvPr/>
-        </p:nvGrpSpPr>
-        <p:grpSpPr>
-          <a:xfrm>
-            <a:off x="1113417" y="4367607"/>
-            <a:ext cx="914400" cy="914400"/>
-            <a:chOff x="1323191" y="4023360"/>
-            <a:chExt cx="914400" cy="914400"/>
-          </a:xfrm>
-        </p:grpSpPr>
-        <p:sp>
-          <p:nvSpPr>
-            <p:cNvPr id="7" name="Oval 6"/>
-            <p:cNvSpPr/>
-            <p:nvPr/>
-          </p:nvSpPr>
-          <p:spPr>
-            <a:xfrm>
-              <a:off x="1323191" y="4023360"/>
-              <a:ext cx="914400" cy="914400"/>
-            </a:xfrm>
-            <a:prstGeom prst="ellipse">
-              <a:avLst/>
-            </a:prstGeom>
-            <a:solidFill>
-              <a:srgbClr val="FF0000"/>
-            </a:solidFill>
-            <a:ln>
-              <a:noFill/>
-            </a:ln>
-          </p:spPr>
-          <p:style>
-            <a:lnRef idx="2">
-              <a:schemeClr val="accent1">
-                <a:shade val="50000"/>
-              </a:schemeClr>
-            </a:lnRef>
-            <a:fillRef idx="1">
-              <a:schemeClr val="accent1"/>
-            </a:fillRef>
-            <a:effectRef idx="0">
-              <a:schemeClr val="accent1"/>
-            </a:effectRef>
-            <a:fontRef idx="minor">
-              <a:schemeClr val="lt1"/>
-            </a:fontRef>
-          </p:style>
-          <p:txBody>
-            <a:bodyPr rtlCol="0" anchor="ctr"/>
-            <a:lstStyle/>
-            <a:p>
-              <a:pPr algn="ctr"/>
-              <a:endParaRPr lang="en-US"/>
-            </a:p>
-          </p:txBody>
-        </p:sp>
-        <p:sp>
-          <p:nvSpPr>
-            <p:cNvPr id="8" name="Oval 7"/>
-            <p:cNvSpPr/>
-            <p:nvPr/>
-          </p:nvSpPr>
-          <p:spPr>
-            <a:xfrm>
-              <a:off x="1592131" y="4249273"/>
-              <a:ext cx="69925" cy="236668"/>
-            </a:xfrm>
-            <a:prstGeom prst="ellipse">
-              <a:avLst/>
-            </a:prstGeom>
-            <a:solidFill>
-              <a:schemeClr val="bg1"/>
-            </a:solidFill>
-            <a:ln>
-              <a:noFill/>
-            </a:ln>
-          </p:spPr>
-          <p:style>
-            <a:lnRef idx="2">
-              <a:schemeClr val="accent1">
-                <a:shade val="50000"/>
-              </a:schemeClr>
-            </a:lnRef>
-            <a:fillRef idx="1">
-              <a:schemeClr val="accent1"/>
-            </a:fillRef>
-            <a:effectRef idx="0">
-              <a:schemeClr val="accent1"/>
-            </a:effectRef>
-            <a:fontRef idx="minor">
-              <a:schemeClr val="lt1"/>
-            </a:fontRef>
-          </p:style>
-          <p:txBody>
-            <a:bodyPr rtlCol="0" anchor="ctr"/>
-            <a:lstStyle/>
-            <a:p>
-              <a:pPr algn="ctr"/>
-              <a:endParaRPr lang="en-US"/>
-            </a:p>
-          </p:txBody>
-        </p:sp>
-        <p:sp>
-          <p:nvSpPr>
-            <p:cNvPr id="9" name="Oval 8"/>
-            <p:cNvSpPr/>
-            <p:nvPr/>
-          </p:nvSpPr>
-          <p:spPr>
-            <a:xfrm>
-              <a:off x="1922929" y="4249273"/>
-              <a:ext cx="69925" cy="236668"/>
-            </a:xfrm>
-            <a:prstGeom prst="ellipse">
-              <a:avLst/>
-            </a:prstGeom>
-            <a:solidFill>
-              <a:schemeClr val="bg1"/>
-            </a:solidFill>
-            <a:ln>
-              <a:noFill/>
-            </a:ln>
-          </p:spPr>
-          <p:style>
-            <a:lnRef idx="2">
-              <a:schemeClr val="accent1">
-                <a:shade val="50000"/>
-              </a:schemeClr>
-            </a:lnRef>
-            <a:fillRef idx="1">
-              <a:schemeClr val="accent1"/>
-            </a:fillRef>
-            <a:effectRef idx="0">
-              <a:schemeClr val="accent1"/>
-            </a:effectRef>
-            <a:fontRef idx="minor">
-              <a:schemeClr val="lt1"/>
-            </a:fontRef>
-          </p:style>
-          <p:txBody>
-            <a:bodyPr rtlCol="0" anchor="ctr"/>
-            <a:lstStyle/>
-            <a:p>
-              <a:pPr algn="ctr"/>
-              <a:endParaRPr lang="en-US"/>
-            </a:p>
-          </p:txBody>
-        </p:sp>
-      </p:grpSp>
       <p:grpSp>
         <p:nvGrpSpPr>
           <p:cNvPr id="12" name="Group 11"/>
@@ -4554,52 +4483,220 @@
           </p:txBody>
         </p:sp>
       </p:grpSp>
-      <p:sp>
-        <p:nvSpPr>
-          <p:cNvPr id="22" name="Arc 21"/>
-          <p:cNvSpPr/>
+      <p:grpSp>
+        <p:nvGrpSpPr>
+          <p:cNvPr id="3" name="Group 2"/>
+          <p:cNvGrpSpPr/>
           <p:nvPr/>
-        </p:nvSpPr>
-        <p:spPr>
-          <a:xfrm rot="16200000">
-            <a:off x="1445910" y="4892574"/>
-            <a:ext cx="247421" cy="496843"/>
+        </p:nvGrpSpPr>
+        <p:grpSpPr>
+          <a:xfrm>
+            <a:off x="1163620" y="4367607"/>
+            <a:ext cx="914400" cy="914400"/>
+            <a:chOff x="1163620" y="4367607"/>
+            <a:chExt cx="914400" cy="914400"/>
           </a:xfrm>
-          <a:prstGeom prst="arc">
-            <a:avLst>
-              <a:gd name="adj1" fmla="val 16909811"/>
-              <a:gd name="adj2" fmla="val 4960411"/>
-            </a:avLst>
-          </a:prstGeom>
-          <a:ln w="38100">
-            <a:solidFill>
-              <a:schemeClr val="bg1"/>
-            </a:solidFill>
-          </a:ln>
-        </p:spPr>
-        <p:style>
-          <a:lnRef idx="1">
-            <a:schemeClr val="accent1"/>
-          </a:lnRef>
-          <a:fillRef idx="0">
-            <a:schemeClr val="accent1"/>
-          </a:fillRef>
-          <a:effectRef idx="0">
-            <a:schemeClr val="accent1"/>
-          </a:effectRef>
-          <a:fontRef idx="minor">
-            <a:schemeClr val="tx1"/>
-          </a:fontRef>
-        </p:style>
-        <p:txBody>
-          <a:bodyPr rtlCol="0" anchor="ctr"/>
-          <a:lstStyle/>
-          <a:p>
-            <a:pPr algn="ctr"/>
-            <a:endParaRPr lang="en-US"/>
-          </a:p>
-        </p:txBody>
-      </p:sp>
+        </p:grpSpPr>
+        <p:grpSp>
+          <p:nvGrpSpPr>
+            <p:cNvPr id="11" name="Group 10"/>
+            <p:cNvGrpSpPr/>
+            <p:nvPr/>
+          </p:nvGrpSpPr>
+          <p:grpSpPr>
+            <a:xfrm>
+              <a:off x="1163620" y="4367607"/>
+              <a:ext cx="914400" cy="914400"/>
+              <a:chOff x="1323191" y="4023360"/>
+              <a:chExt cx="914400" cy="914400"/>
+            </a:xfrm>
+          </p:grpSpPr>
+          <p:sp>
+            <p:nvSpPr>
+              <p:cNvPr id="7" name="Oval 6"/>
+              <p:cNvSpPr/>
+              <p:nvPr/>
+            </p:nvSpPr>
+            <p:spPr>
+              <a:xfrm>
+                <a:off x="1323191" y="4023360"/>
+                <a:ext cx="914400" cy="914400"/>
+              </a:xfrm>
+              <a:prstGeom prst="ellipse">
+                <a:avLst/>
+              </a:prstGeom>
+              <a:solidFill>
+                <a:srgbClr val="FF0000"/>
+              </a:solidFill>
+              <a:ln>
+                <a:noFill/>
+              </a:ln>
+            </p:spPr>
+            <p:style>
+              <a:lnRef idx="2">
+                <a:schemeClr val="accent1">
+                  <a:shade val="50000"/>
+                </a:schemeClr>
+              </a:lnRef>
+              <a:fillRef idx="1">
+                <a:schemeClr val="accent1"/>
+              </a:fillRef>
+              <a:effectRef idx="0">
+                <a:schemeClr val="accent1"/>
+              </a:effectRef>
+              <a:fontRef idx="minor">
+                <a:schemeClr val="lt1"/>
+              </a:fontRef>
+            </p:style>
+            <p:txBody>
+              <a:bodyPr rtlCol="0" anchor="ctr"/>
+              <a:lstStyle/>
+              <a:p>
+                <a:pPr algn="ctr"/>
+                <a:endParaRPr lang="en-US"/>
+              </a:p>
+            </p:txBody>
+          </p:sp>
+          <p:sp>
+            <p:nvSpPr>
+              <p:cNvPr id="8" name="Oval 7"/>
+              <p:cNvSpPr/>
+              <p:nvPr/>
+            </p:nvSpPr>
+            <p:spPr>
+              <a:xfrm>
+                <a:off x="1592131" y="4249273"/>
+                <a:ext cx="69925" cy="236668"/>
+              </a:xfrm>
+              <a:prstGeom prst="ellipse">
+                <a:avLst/>
+              </a:prstGeom>
+              <a:solidFill>
+                <a:schemeClr val="bg1"/>
+              </a:solidFill>
+              <a:ln>
+                <a:noFill/>
+              </a:ln>
+            </p:spPr>
+            <p:style>
+              <a:lnRef idx="2">
+                <a:schemeClr val="accent1">
+                  <a:shade val="50000"/>
+                </a:schemeClr>
+              </a:lnRef>
+              <a:fillRef idx="1">
+                <a:schemeClr val="accent1"/>
+              </a:fillRef>
+              <a:effectRef idx="0">
+                <a:schemeClr val="accent1"/>
+              </a:effectRef>
+              <a:fontRef idx="minor">
+                <a:schemeClr val="lt1"/>
+              </a:fontRef>
+            </p:style>
+            <p:txBody>
+              <a:bodyPr rtlCol="0" anchor="ctr"/>
+              <a:lstStyle/>
+              <a:p>
+                <a:pPr algn="ctr"/>
+                <a:endParaRPr lang="en-US"/>
+              </a:p>
+            </p:txBody>
+          </p:sp>
+          <p:sp>
+            <p:nvSpPr>
+              <p:cNvPr id="9" name="Oval 8"/>
+              <p:cNvSpPr/>
+              <p:nvPr/>
+            </p:nvSpPr>
+            <p:spPr>
+              <a:xfrm>
+                <a:off x="1922929" y="4249273"/>
+                <a:ext cx="69925" cy="236668"/>
+              </a:xfrm>
+              <a:prstGeom prst="ellipse">
+                <a:avLst/>
+              </a:prstGeom>
+              <a:solidFill>
+                <a:schemeClr val="bg1"/>
+              </a:solidFill>
+              <a:ln>
+                <a:noFill/>
+              </a:ln>
+            </p:spPr>
+            <p:style>
+              <a:lnRef idx="2">
+                <a:schemeClr val="accent1">
+                  <a:shade val="50000"/>
+                </a:schemeClr>
+              </a:lnRef>
+              <a:fillRef idx="1">
+                <a:schemeClr val="accent1"/>
+              </a:fillRef>
+              <a:effectRef idx="0">
+                <a:schemeClr val="accent1"/>
+              </a:effectRef>
+              <a:fontRef idx="minor">
+                <a:schemeClr val="lt1"/>
+              </a:fontRef>
+            </p:style>
+            <p:txBody>
+              <a:bodyPr rtlCol="0" anchor="ctr"/>
+              <a:lstStyle/>
+              <a:p>
+                <a:pPr algn="ctr"/>
+                <a:endParaRPr lang="en-US"/>
+              </a:p>
+            </p:txBody>
+          </p:sp>
+        </p:grpSp>
+        <p:sp>
+          <p:nvSpPr>
+            <p:cNvPr id="22" name="Arc 21"/>
+            <p:cNvSpPr/>
+            <p:nvPr/>
+          </p:nvSpPr>
+          <p:spPr>
+            <a:xfrm rot="16200000">
+              <a:off x="1497109" y="4892581"/>
+              <a:ext cx="247421" cy="496843"/>
+            </a:xfrm>
+            <a:prstGeom prst="arc">
+              <a:avLst>
+                <a:gd name="adj1" fmla="val 16909811"/>
+                <a:gd name="adj2" fmla="val 4960411"/>
+              </a:avLst>
+            </a:prstGeom>
+            <a:ln w="38100">
+              <a:solidFill>
+                <a:schemeClr val="bg1"/>
+              </a:solidFill>
+            </a:ln>
+          </p:spPr>
+          <p:style>
+            <a:lnRef idx="1">
+              <a:schemeClr val="accent1"/>
+            </a:lnRef>
+            <a:fillRef idx="0">
+              <a:schemeClr val="accent1"/>
+            </a:fillRef>
+            <a:effectRef idx="0">
+              <a:schemeClr val="accent1"/>
+            </a:effectRef>
+            <a:fontRef idx="minor">
+              <a:schemeClr val="tx1"/>
+            </a:fontRef>
+          </p:style>
+          <p:txBody>
+            <a:bodyPr rtlCol="0" anchor="ctr"/>
+            <a:lstStyle/>
+            <a:p>
+              <a:pPr algn="ctr"/>
+              <a:endParaRPr lang="en-US"/>
+            </a:p>
+          </p:txBody>
+        </p:sp>
+      </p:grpSp>
     </p:spTree>
     <p:extLst>
       <p:ext uri="{BB962C8B-B14F-4D97-AF65-F5344CB8AC3E}">
@@ -5453,6 +5550,153 @@
 </p:sld>
 </file>
 
+<file path=ppt/slides/slide4.xml><?xml version="1.0" encoding="utf-8"?>
+<p:sld xmlns:a="http://schemas.openxmlformats.org/drawingml/2006/main" xmlns:r="http://schemas.openxmlformats.org/officeDocument/2006/relationships" xmlns:p="http://schemas.openxmlformats.org/presentationml/2006/main">
+  <p:cSld>
+    <p:spTree>
+      <p:nvGrpSpPr>
+        <p:cNvPr id="1" name=""/>
+        <p:cNvGrpSpPr/>
+        <p:nvPr/>
+      </p:nvGrpSpPr>
+      <p:grpSpPr>
+        <a:xfrm>
+          <a:off x="0" y="0"/>
+          <a:ext cx="0" cy="0"/>
+          <a:chOff x="0" y="0"/>
+          <a:chExt cx="0" cy="0"/>
+        </a:xfrm>
+      </p:grpSpPr>
+      <p:sp>
+        <p:nvSpPr>
+          <p:cNvPr id="4" name="Rectangle 3"/>
+          <p:cNvSpPr/>
+          <p:nvPr/>
+        </p:nvSpPr>
+        <p:spPr>
+          <a:xfrm>
+            <a:off x="1070384" y="3248424"/>
+            <a:ext cx="10431333" cy="646331"/>
+          </a:xfrm>
+          <a:prstGeom prst="rect">
+            <a:avLst/>
+          </a:prstGeom>
+        </p:spPr>
+        <p:txBody>
+          <a:bodyPr wrap="square">
+            <a:spAutoFit/>
+          </a:bodyPr>
+          <a:lstStyle/>
+          <a:p>
+            <a:r>
+              <a:rPr lang="en-US" dirty="0" smtClean="0"/>
+              <a:t>In future the application will run on a raspberry pi and can communicate with via a cloud with the doctors. This will help the psychologist to track the progress of the treatments. </a:t>
+            </a:r>
+            <a:endParaRPr lang="en-US" dirty="0"/>
+          </a:p>
+        </p:txBody>
+      </p:sp>
+      <p:sp>
+        <p:nvSpPr>
+          <p:cNvPr id="5" name="Rectangle 4"/>
+          <p:cNvSpPr/>
+          <p:nvPr/>
+        </p:nvSpPr>
+        <p:spPr>
+          <a:xfrm>
+            <a:off x="1070384" y="695276"/>
+            <a:ext cx="10431333" cy="2308324"/>
+          </a:xfrm>
+          <a:prstGeom prst="rect">
+            <a:avLst/>
+          </a:prstGeom>
+        </p:spPr>
+        <p:txBody>
+          <a:bodyPr wrap="square">
+            <a:spAutoFit/>
+          </a:bodyPr>
+          <a:lstStyle/>
+          <a:p>
+            <a:r>
+              <a:rPr lang="en-US" dirty="0"/>
+              <a:t>"</a:t>
+            </a:r>
+            <a:r>
+              <a:rPr lang="en-US" dirty="0" err="1"/>
+              <a:t>TellMe</a:t>
+            </a:r>
+            <a:r>
+              <a:rPr lang="en-US" dirty="0"/>
+              <a:t>" is a mental healthcare tracking App.</a:t>
+            </a:r>
+          </a:p>
+          <a:p>
+            <a:r>
+              <a:rPr lang="en-US" dirty="0"/>
+              <a:t>It's an intelligent voice-diary including a happiness analyzer based on machine learning. </a:t>
+            </a:r>
+          </a:p>
+          <a:p>
+            <a:r>
+              <a:rPr lang="en-US" dirty="0"/>
+              <a:t>In the evenings you can "</a:t>
+            </a:r>
+            <a:r>
+              <a:rPr lang="en-US" dirty="0" err="1"/>
+              <a:t>TellMe</a:t>
+            </a:r>
+            <a:r>
+              <a:rPr lang="en-US" dirty="0"/>
+              <a:t>" what was happening today.</a:t>
+            </a:r>
+          </a:p>
+          <a:p>
+            <a:r>
+              <a:rPr lang="en-US" dirty="0"/>
+              <a:t>The deep learning algorithm will categorize your impressions and feelings based on the emotions in your voice and the words you are using.</a:t>
+            </a:r>
+          </a:p>
+          <a:p>
+            <a:r>
+              <a:rPr lang="en-US" dirty="0"/>
+              <a:t>An objective feedback will be provided by our algorithm.</a:t>
+            </a:r>
+          </a:p>
+          <a:p>
+            <a:r>
+              <a:rPr lang="en-US" dirty="0"/>
+              <a:t>The goal is to track emotions over a period of time to estimate your mental health status.</a:t>
+            </a:r>
+          </a:p>
+          <a:p>
+            <a:r>
+              <a:rPr lang="en-US" dirty="0"/>
+              <a:t>"</a:t>
+            </a:r>
+            <a:r>
+              <a:rPr lang="en-US" dirty="0" err="1"/>
+              <a:t>TellMe</a:t>
+            </a:r>
+            <a:r>
+              <a:rPr lang="en-US" dirty="0"/>
+              <a:t>" will help you to recognize and react to an unbalanced state of mind (e.g. Burnout, Depression, ...)</a:t>
+            </a:r>
+          </a:p>
+        </p:txBody>
+      </p:sp>
+    </p:spTree>
+    <p:extLst>
+      <p:ext uri="{BB962C8B-B14F-4D97-AF65-F5344CB8AC3E}">
+        <p14:creationId xmlns:p14="http://schemas.microsoft.com/office/powerpoint/2010/main" val="731274218"/>
+      </p:ext>
+    </p:extLst>
+  </p:cSld>
+  <p:clrMapOvr>
+    <a:masterClrMapping/>
+  </p:clrMapOvr>
+</p:sld>
+</file>
+
 <file path=ppt/theme/theme1.xml><?xml version="1.0" encoding="utf-8"?>
 <a:theme xmlns:a="http://schemas.openxmlformats.org/drawingml/2006/main" name="Office Theme">
   <a:themeElements>
